--- a/Presentation/Classification-of-time-signals-by-CNN-using-STFT-Paween.pptx
+++ b/Presentation/Classification-of-time-signals-by-CNN-using-STFT-Paween.pptx
@@ -16,8 +16,10 @@
     <p:sldId id="277" r:id="rId10"/>
     <p:sldId id="278" r:id="rId11"/>
     <p:sldId id="276" r:id="rId12"/>
-    <p:sldId id="269" r:id="rId13"/>
-    <p:sldId id="270" r:id="rId14"/>
+    <p:sldId id="279" r:id="rId13"/>
+    <p:sldId id="269" r:id="rId14"/>
+    <p:sldId id="280" r:id="rId15"/>
+    <p:sldId id="270" r:id="rId16"/>
   </p:sldIdLst>
   <p:sldSz cx="12192000" cy="6858000"/>
   <p:notesSz cx="6858000" cy="9144000"/>
@@ -220,6 +222,11 @@
               </a:ln>
               <a:effectLst/>
             </c:spPr>
+            <c:extLst>
+              <c:ext xmlns:c16="http://schemas.microsoft.com/office/drawing/2014/chart" uri="{C3380CC4-5D6E-409C-BE32-E72D297353CC}">
+                <c16:uniqueId val="{00000001-1597-4E05-8AEF-ABB52AF658F4}"/>
+              </c:ext>
+            </c:extLst>
           </c:dPt>
           <c:dPt>
             <c:idx val="1"/>
@@ -235,6 +242,11 @@
               </a:ln>
               <a:effectLst/>
             </c:spPr>
+            <c:extLst>
+              <c:ext xmlns:c16="http://schemas.microsoft.com/office/drawing/2014/chart" uri="{C3380CC4-5D6E-409C-BE32-E72D297353CC}">
+                <c16:uniqueId val="{00000003-1597-4E05-8AEF-ABB52AF658F4}"/>
+              </c:ext>
+            </c:extLst>
           </c:dPt>
           <c:dLbls>
             <c:spPr>
@@ -2633,7 +2645,7 @@
           <a:p>
             <a:fld id="{672A33CF-3CD6-4BF6-9652-92EE052783A5}" type="datetimeFigureOut">
               <a:rPr lang="en-US" smtClean="0"/>
-              <a:t>10/16/2021</a:t>
+              <a:t>10/17/2021</a:t>
             </a:fld>
             <a:endParaRPr lang="en-US"/>
           </a:p>
@@ -2831,7 +2843,7 @@
           <a:p>
             <a:fld id="{672A33CF-3CD6-4BF6-9652-92EE052783A5}" type="datetimeFigureOut">
               <a:rPr lang="en-US" smtClean="0"/>
-              <a:t>10/16/2021</a:t>
+              <a:t>10/17/2021</a:t>
             </a:fld>
             <a:endParaRPr lang="en-US"/>
           </a:p>
@@ -3039,7 +3051,7 @@
           <a:p>
             <a:fld id="{672A33CF-3CD6-4BF6-9652-92EE052783A5}" type="datetimeFigureOut">
               <a:rPr lang="en-US" smtClean="0"/>
-              <a:t>10/16/2021</a:t>
+              <a:t>10/17/2021</a:t>
             </a:fld>
             <a:endParaRPr lang="en-US"/>
           </a:p>
@@ -3237,7 +3249,7 @@
           <a:p>
             <a:fld id="{672A33CF-3CD6-4BF6-9652-92EE052783A5}" type="datetimeFigureOut">
               <a:rPr lang="en-US" smtClean="0"/>
-              <a:t>10/16/2021</a:t>
+              <a:t>10/17/2021</a:t>
             </a:fld>
             <a:endParaRPr lang="en-US"/>
           </a:p>
@@ -3512,7 +3524,7 @@
           <a:p>
             <a:fld id="{672A33CF-3CD6-4BF6-9652-92EE052783A5}" type="datetimeFigureOut">
               <a:rPr lang="en-US" smtClean="0"/>
-              <a:t>10/16/2021</a:t>
+              <a:t>10/17/2021</a:t>
             </a:fld>
             <a:endParaRPr lang="en-US"/>
           </a:p>
@@ -3777,7 +3789,7 @@
           <a:p>
             <a:fld id="{672A33CF-3CD6-4BF6-9652-92EE052783A5}" type="datetimeFigureOut">
               <a:rPr lang="en-US" smtClean="0"/>
-              <a:t>10/16/2021</a:t>
+              <a:t>10/17/2021</a:t>
             </a:fld>
             <a:endParaRPr lang="en-US"/>
           </a:p>
@@ -4189,7 +4201,7 @@
           <a:p>
             <a:fld id="{672A33CF-3CD6-4BF6-9652-92EE052783A5}" type="datetimeFigureOut">
               <a:rPr lang="en-US" smtClean="0"/>
-              <a:t>10/16/2021</a:t>
+              <a:t>10/17/2021</a:t>
             </a:fld>
             <a:endParaRPr lang="en-US"/>
           </a:p>
@@ -4330,7 +4342,7 @@
           <a:p>
             <a:fld id="{672A33CF-3CD6-4BF6-9652-92EE052783A5}" type="datetimeFigureOut">
               <a:rPr lang="en-US" smtClean="0"/>
-              <a:t>10/16/2021</a:t>
+              <a:t>10/17/2021</a:t>
             </a:fld>
             <a:endParaRPr lang="en-US"/>
           </a:p>
@@ -4443,7 +4455,7 @@
           <a:p>
             <a:fld id="{672A33CF-3CD6-4BF6-9652-92EE052783A5}" type="datetimeFigureOut">
               <a:rPr lang="en-US" smtClean="0"/>
-              <a:t>10/16/2021</a:t>
+              <a:t>10/17/2021</a:t>
             </a:fld>
             <a:endParaRPr lang="en-US"/>
           </a:p>
@@ -4754,7 +4766,7 @@
           <a:p>
             <a:fld id="{672A33CF-3CD6-4BF6-9652-92EE052783A5}" type="datetimeFigureOut">
               <a:rPr lang="en-US" smtClean="0"/>
-              <a:t>10/16/2021</a:t>
+              <a:t>10/17/2021</a:t>
             </a:fld>
             <a:endParaRPr lang="en-US"/>
           </a:p>
@@ -5042,7 +5054,7 @@
           <a:p>
             <a:fld id="{672A33CF-3CD6-4BF6-9652-92EE052783A5}" type="datetimeFigureOut">
               <a:rPr lang="en-US" smtClean="0"/>
-              <a:t>10/16/2021</a:t>
+              <a:t>10/17/2021</a:t>
             </a:fld>
             <a:endParaRPr lang="en-US"/>
           </a:p>
@@ -5286,7 +5298,7 @@
           <a:p>
             <a:fld id="{672A33CF-3CD6-4BF6-9652-92EE052783A5}" type="datetimeFigureOut">
               <a:rPr lang="en-US" smtClean="0"/>
-              <a:t>10/16/2021</a:t>
+              <a:t>10/17/2021</a:t>
             </a:fld>
             <a:endParaRPr lang="en-US"/>
           </a:p>
@@ -8021,7 +8033,7 @@
           <p:cNvPr id="9" name="TextBox 8">
             <a:extLst>
               <a:ext uri="{FF2B5EF4-FFF2-40B4-BE49-F238E27FC236}">
-                <a16:creationId xmlns:a16="http://schemas.microsoft.com/office/drawing/2014/main" id="{EF386AD6-4AFA-42FA-AAE8-E232F7B0FC08}"/>
+                <a16:creationId xmlns:a16="http://schemas.microsoft.com/office/drawing/2014/main" id="{A68F5E22-5380-4D89-943B-4B1DDB107462}"/>
               </a:ext>
             </a:extLst>
           </p:cNvPr>
@@ -8064,17 +8076,17 @@
                 <a:ea typeface="+mj-ea"/>
                 <a:cs typeface="Times New Roman" panose="02020603050405020304" pitchFamily="18" charset="0"/>
               </a:rPr>
-              <a:t>Experiment Result</a:t>
+              <a:t>Classification</a:t>
             </a:r>
           </a:p>
         </p:txBody>
       </p:sp>
       <p:sp>
         <p:nvSpPr>
-          <p:cNvPr id="10" name="TextBox 9">
-            <a:extLst>
-              <a:ext uri="{FF2B5EF4-FFF2-40B4-BE49-F238E27FC236}">
-                <a16:creationId xmlns:a16="http://schemas.microsoft.com/office/drawing/2014/main" id="{F03E5F94-69C6-49A4-B533-68928E883BD4}"/>
+          <p:cNvPr id="13" name="TextBox 12">
+            <a:extLst>
+              <a:ext uri="{FF2B5EF4-FFF2-40B4-BE49-F238E27FC236}">
+                <a16:creationId xmlns:a16="http://schemas.microsoft.com/office/drawing/2014/main" id="{42D2F211-5259-4386-A06F-1FBB719B826E}"/>
               </a:ext>
             </a:extLst>
           </p:cNvPr>
@@ -8083,8 +8095,8 @@
         </p:nvSpPr>
         <p:spPr>
           <a:xfrm>
-            <a:off x="643468" y="1782981"/>
-            <a:ext cx="6842935" cy="4393982"/>
+            <a:off x="670705" y="1254142"/>
+            <a:ext cx="8399864" cy="791782"/>
           </a:xfrm>
           <a:prstGeom prst="rect">
             <a:avLst/>
@@ -8096,7 +8108,7 @@
           </a:bodyPr>
           <a:lstStyle/>
           <a:p>
-            <a:pPr indent="-228600">
+            <a:pPr>
               <a:lnSpc>
                 <a:spcPct val="90000"/>
               </a:lnSpc>
@@ -8106,42 +8118,821 @@
               <a:buClr>
                 <a:schemeClr val="accent1"/>
               </a:buClr>
-              <a:buFont typeface="Arial" panose="020B0604020202020204" pitchFamily="34" charset="0"/>
-              <a:buChar char="•"/>
             </a:pPr>
             <a:r>
               <a:rPr lang="en-US" sz="2200" dirty="0">
                 <a:latin typeface="Times New Roman" panose="02020603050405020304" pitchFamily="18" charset="0"/>
                 <a:cs typeface="Times New Roman" panose="02020603050405020304" pitchFamily="18" charset="0"/>
               </a:rPr>
-              <a:t>Font : Times New Roman size 22</a:t>
+              <a:t>We used the CNN model from Training and Testing to classify the unlearned data.</a:t>
             </a:r>
           </a:p>
-          <a:p>
-            <a:pPr indent="-228600">
-              <a:lnSpc>
-                <a:spcPct val="90000"/>
-              </a:lnSpc>
-              <a:spcAft>
-                <a:spcPts val="600"/>
-              </a:spcAft>
-              <a:buClr>
-                <a:schemeClr val="accent1"/>
-              </a:buClr>
-              <a:buFont typeface="Arial" panose="020B0604020202020204" pitchFamily="34" charset="0"/>
-              <a:buChar char="•"/>
-            </a:pPr>
+        </p:txBody>
+      </p:sp>
+      <p:sp>
+        <p:nvSpPr>
+          <p:cNvPr id="14" name="Rectangle: Rounded Corners 13">
+            <a:extLst>
+              <a:ext uri="{FF2B5EF4-FFF2-40B4-BE49-F238E27FC236}">
+                <a16:creationId xmlns:a16="http://schemas.microsoft.com/office/drawing/2014/main" id="{A2379542-B834-45EA-A53F-21D3CA44A19E}"/>
+              </a:ext>
+            </a:extLst>
+          </p:cNvPr>
+          <p:cNvSpPr/>
+          <p:nvPr/>
+        </p:nvSpPr>
+        <p:spPr>
+          <a:xfrm>
+            <a:off x="636230" y="2813739"/>
+            <a:ext cx="822666" cy="317481"/>
+          </a:xfrm>
+          <a:prstGeom prst="roundRect">
+            <a:avLst/>
+          </a:prstGeom>
+        </p:spPr>
+        <p:style>
+          <a:lnRef idx="1">
+            <a:schemeClr val="accent2"/>
+          </a:lnRef>
+          <a:fillRef idx="2">
+            <a:schemeClr val="accent2"/>
+          </a:fillRef>
+          <a:effectRef idx="1">
+            <a:schemeClr val="accent2"/>
+          </a:effectRef>
+          <a:fontRef idx="minor">
+            <a:schemeClr val="dk1"/>
+          </a:fontRef>
+        </p:style>
+        <p:txBody>
+          <a:bodyPr rtlCol="0" anchor="ctr"/>
+          <a:lstStyle/>
+          <a:p>
+            <a:pPr algn="ctr"/>
             <a:endParaRPr lang="en-US" sz="2200" dirty="0">
               <a:latin typeface="Times New Roman" panose="02020603050405020304" pitchFamily="18" charset="0"/>
               <a:cs typeface="Times New Roman" panose="02020603050405020304" pitchFamily="18" charset="0"/>
             </a:endParaRPr>
+          </a:p>
+          <a:p>
+            <a:pPr algn="ctr"/>
+            <a:r>
+              <a:rPr lang="en-US" sz="2200" dirty="0">
+                <a:latin typeface="Times New Roman" panose="02020603050405020304" pitchFamily="18" charset="0"/>
+                <a:cs typeface="Times New Roman" panose="02020603050405020304" pitchFamily="18" charset="0"/>
+              </a:rPr>
+              <a:t>T1</a:t>
+            </a:r>
+          </a:p>
+          <a:p>
+            <a:pPr algn="ctr"/>
+            <a:endParaRPr lang="en-US" sz="2200" dirty="0">
+              <a:latin typeface="Times New Roman" panose="02020603050405020304" pitchFamily="18" charset="0"/>
+              <a:cs typeface="Times New Roman" panose="02020603050405020304" pitchFamily="18" charset="0"/>
+            </a:endParaRPr>
+          </a:p>
+        </p:txBody>
+      </p:sp>
+      <p:sp>
+        <p:nvSpPr>
+          <p:cNvPr id="15" name="Rectangle: Rounded Corners 14">
+            <a:extLst>
+              <a:ext uri="{FF2B5EF4-FFF2-40B4-BE49-F238E27FC236}">
+                <a16:creationId xmlns:a16="http://schemas.microsoft.com/office/drawing/2014/main" id="{BB1F5CB6-C48A-49F0-81B4-1D3A5D6CB22D}"/>
+              </a:ext>
+            </a:extLst>
+          </p:cNvPr>
+          <p:cNvSpPr/>
+          <p:nvPr/>
+        </p:nvSpPr>
+        <p:spPr>
+          <a:xfrm>
+            <a:off x="2972090" y="3573799"/>
+            <a:ext cx="1952249" cy="556352"/>
+          </a:xfrm>
+          <a:prstGeom prst="roundRect">
+            <a:avLst/>
+          </a:prstGeom>
+        </p:spPr>
+        <p:style>
+          <a:lnRef idx="1">
+            <a:schemeClr val="accent1"/>
+          </a:lnRef>
+          <a:fillRef idx="2">
+            <a:schemeClr val="accent1"/>
+          </a:fillRef>
+          <a:effectRef idx="1">
+            <a:schemeClr val="accent1"/>
+          </a:effectRef>
+          <a:fontRef idx="minor">
+            <a:schemeClr val="dk1"/>
+          </a:fontRef>
+        </p:style>
+        <p:txBody>
+          <a:bodyPr rtlCol="0" anchor="ctr"/>
+          <a:lstStyle/>
+          <a:p>
+            <a:pPr algn="ctr"/>
+            <a:r>
+              <a:rPr lang="en-US" sz="2200" dirty="0">
+                <a:latin typeface="Times New Roman" panose="02020603050405020304" pitchFamily="18" charset="0"/>
+                <a:cs typeface="Times New Roman" panose="02020603050405020304" pitchFamily="18" charset="0"/>
+              </a:rPr>
+              <a:t>Preprocessing</a:t>
+            </a:r>
+          </a:p>
+        </p:txBody>
+      </p:sp>
+      <p:sp>
+        <p:nvSpPr>
+          <p:cNvPr id="17" name="Rectangle: Rounded Corners 16">
+            <a:extLst>
+              <a:ext uri="{FF2B5EF4-FFF2-40B4-BE49-F238E27FC236}">
+                <a16:creationId xmlns:a16="http://schemas.microsoft.com/office/drawing/2014/main" id="{86BF2492-6675-4438-9F9D-AECC9EF7E4D1}"/>
+              </a:ext>
+            </a:extLst>
+          </p:cNvPr>
+          <p:cNvSpPr/>
+          <p:nvPr/>
+        </p:nvSpPr>
+        <p:spPr>
+          <a:xfrm>
+            <a:off x="622534" y="4470173"/>
+            <a:ext cx="822666" cy="317481"/>
+          </a:xfrm>
+          <a:prstGeom prst="roundRect">
+            <a:avLst/>
+          </a:prstGeom>
+        </p:spPr>
+        <p:style>
+          <a:lnRef idx="1">
+            <a:schemeClr val="accent2"/>
+          </a:lnRef>
+          <a:fillRef idx="2">
+            <a:schemeClr val="accent2"/>
+          </a:fillRef>
+          <a:effectRef idx="1">
+            <a:schemeClr val="accent2"/>
+          </a:effectRef>
+          <a:fontRef idx="minor">
+            <a:schemeClr val="dk1"/>
+          </a:fontRef>
+        </p:style>
+        <p:txBody>
+          <a:bodyPr rtlCol="0" anchor="ctr"/>
+          <a:lstStyle/>
+          <a:p>
+            <a:pPr algn="ctr"/>
+            <a:r>
+              <a:rPr lang="en-US" sz="2200" dirty="0">
+                <a:latin typeface="Times New Roman" panose="02020603050405020304" pitchFamily="18" charset="0"/>
+                <a:cs typeface="Times New Roman" panose="02020603050405020304" pitchFamily="18" charset="0"/>
+              </a:rPr>
+              <a:t>T12</a:t>
+            </a:r>
+          </a:p>
+        </p:txBody>
+      </p:sp>
+      <p:sp>
+        <p:nvSpPr>
+          <p:cNvPr id="18" name="Rectangle: Rounded Corners 17">
+            <a:extLst>
+              <a:ext uri="{FF2B5EF4-FFF2-40B4-BE49-F238E27FC236}">
+                <a16:creationId xmlns:a16="http://schemas.microsoft.com/office/drawing/2014/main" id="{D4C0C140-BC70-4E46-9AF5-887C675EF650}"/>
+              </a:ext>
+            </a:extLst>
+          </p:cNvPr>
+          <p:cNvSpPr/>
+          <p:nvPr/>
+        </p:nvSpPr>
+        <p:spPr>
+          <a:xfrm>
+            <a:off x="636230" y="3296185"/>
+            <a:ext cx="822666" cy="317481"/>
+          </a:xfrm>
+          <a:prstGeom prst="roundRect">
+            <a:avLst/>
+          </a:prstGeom>
+        </p:spPr>
+        <p:style>
+          <a:lnRef idx="1">
+            <a:schemeClr val="accent2"/>
+          </a:lnRef>
+          <a:fillRef idx="2">
+            <a:schemeClr val="accent2"/>
+          </a:fillRef>
+          <a:effectRef idx="1">
+            <a:schemeClr val="accent2"/>
+          </a:effectRef>
+          <a:fontRef idx="minor">
+            <a:schemeClr val="dk1"/>
+          </a:fontRef>
+        </p:style>
+        <p:txBody>
+          <a:bodyPr rtlCol="0" anchor="ctr"/>
+          <a:lstStyle/>
+          <a:p>
+            <a:pPr algn="ctr"/>
+            <a:r>
+              <a:rPr lang="en-US" sz="2200" dirty="0">
+                <a:latin typeface="Times New Roman" panose="02020603050405020304" pitchFamily="18" charset="0"/>
+                <a:cs typeface="Times New Roman" panose="02020603050405020304" pitchFamily="18" charset="0"/>
+              </a:rPr>
+              <a:t>T2</a:t>
+            </a:r>
+          </a:p>
+        </p:txBody>
+      </p:sp>
+      <p:sp>
+        <p:nvSpPr>
+          <p:cNvPr id="20" name="Rectangle: Rounded Corners 19">
+            <a:extLst>
+              <a:ext uri="{FF2B5EF4-FFF2-40B4-BE49-F238E27FC236}">
+                <a16:creationId xmlns:a16="http://schemas.microsoft.com/office/drawing/2014/main" id="{C8A60D8D-6391-4151-9D6E-3775A78EDF29}"/>
+              </a:ext>
+            </a:extLst>
+          </p:cNvPr>
+          <p:cNvSpPr/>
+          <p:nvPr/>
+        </p:nvSpPr>
+        <p:spPr>
+          <a:xfrm>
+            <a:off x="6021329" y="3572151"/>
+            <a:ext cx="1952249" cy="558000"/>
+          </a:xfrm>
+          <a:prstGeom prst="roundRect">
+            <a:avLst/>
+          </a:prstGeom>
+        </p:spPr>
+        <p:style>
+          <a:lnRef idx="1">
+            <a:schemeClr val="accent4"/>
+          </a:lnRef>
+          <a:fillRef idx="2">
+            <a:schemeClr val="accent4"/>
+          </a:fillRef>
+          <a:effectRef idx="1">
+            <a:schemeClr val="accent4"/>
+          </a:effectRef>
+          <a:fontRef idx="minor">
+            <a:schemeClr val="dk1"/>
+          </a:fontRef>
+        </p:style>
+        <p:txBody>
+          <a:bodyPr rtlCol="0" anchor="ctr"/>
+          <a:lstStyle/>
+          <a:p>
+            <a:pPr algn="ctr"/>
+            <a:r>
+              <a:rPr lang="en-US" sz="2200" dirty="0">
+                <a:latin typeface="Times New Roman" panose="02020603050405020304" pitchFamily="18" charset="0"/>
+                <a:cs typeface="Times New Roman" panose="02020603050405020304" pitchFamily="18" charset="0"/>
+              </a:rPr>
+              <a:t>Classification</a:t>
+            </a:r>
+          </a:p>
+        </p:txBody>
+      </p:sp>
+      <p:sp>
+        <p:nvSpPr>
+          <p:cNvPr id="24" name="Rectangle: Rounded Corners 23">
+            <a:extLst>
+              <a:ext uri="{FF2B5EF4-FFF2-40B4-BE49-F238E27FC236}">
+                <a16:creationId xmlns:a16="http://schemas.microsoft.com/office/drawing/2014/main" id="{72103621-F962-4E30-A0C8-9885E7FB5839}"/>
+              </a:ext>
+            </a:extLst>
+          </p:cNvPr>
+          <p:cNvSpPr/>
+          <p:nvPr/>
+        </p:nvSpPr>
+        <p:spPr>
+          <a:xfrm>
+            <a:off x="9070569" y="3572151"/>
+            <a:ext cx="2632073" cy="558000"/>
+          </a:xfrm>
+          <a:prstGeom prst="roundRect">
+            <a:avLst/>
+          </a:prstGeom>
+        </p:spPr>
+        <p:style>
+          <a:lnRef idx="1">
+            <a:schemeClr val="accent6"/>
+          </a:lnRef>
+          <a:fillRef idx="2">
+            <a:schemeClr val="accent6"/>
+          </a:fillRef>
+          <a:effectRef idx="1">
+            <a:schemeClr val="accent6"/>
+          </a:effectRef>
+          <a:fontRef idx="minor">
+            <a:schemeClr val="dk1"/>
+          </a:fontRef>
+        </p:style>
+        <p:txBody>
+          <a:bodyPr rtlCol="0" anchor="ctr"/>
+          <a:lstStyle/>
+          <a:p>
+            <a:pPr algn="ctr"/>
+            <a:r>
+              <a:rPr lang="en-US" sz="2200" dirty="0">
+                <a:latin typeface="Times New Roman" panose="02020603050405020304" pitchFamily="18" charset="0"/>
+                <a:cs typeface="Times New Roman" panose="02020603050405020304" pitchFamily="18" charset="0"/>
+              </a:rPr>
+              <a:t>Classification Result</a:t>
+            </a:r>
+          </a:p>
+        </p:txBody>
+      </p:sp>
+      <p:sp>
+        <p:nvSpPr>
+          <p:cNvPr id="5" name="TextBox 4">
+            <a:extLst>
+              <a:ext uri="{FF2B5EF4-FFF2-40B4-BE49-F238E27FC236}">
+                <a16:creationId xmlns:a16="http://schemas.microsoft.com/office/drawing/2014/main" id="{DCAF18CD-1338-4B2C-834F-99B04EF2E3DE}"/>
+              </a:ext>
+            </a:extLst>
+          </p:cNvPr>
+          <p:cNvSpPr txBox="1"/>
+          <p:nvPr/>
+        </p:nvSpPr>
+        <p:spPr>
+          <a:xfrm>
+            <a:off x="867359" y="3787354"/>
+            <a:ext cx="677108" cy="466725"/>
+          </a:xfrm>
+          <a:prstGeom prst="rect">
+            <a:avLst/>
+          </a:prstGeom>
+          <a:noFill/>
+        </p:spPr>
+        <p:txBody>
+          <a:bodyPr vert="eaVert" wrap="square" rtlCol="0">
+            <a:spAutoFit/>
+          </a:bodyPr>
+          <a:lstStyle/>
+          <a:p>
+            <a:pPr algn="ctr"/>
+            <a:r>
+              <a:rPr lang="en-US" sz="3200" dirty="0"/>
+              <a:t>…</a:t>
+            </a:r>
+          </a:p>
+        </p:txBody>
+      </p:sp>
+      <p:sp>
+        <p:nvSpPr>
+          <p:cNvPr id="6" name="Right Brace 5">
+            <a:extLst>
+              <a:ext uri="{FF2B5EF4-FFF2-40B4-BE49-F238E27FC236}">
+                <a16:creationId xmlns:a16="http://schemas.microsoft.com/office/drawing/2014/main" id="{9F6AF632-7543-47DA-BD7B-D6320A870B9E}"/>
+              </a:ext>
+            </a:extLst>
+          </p:cNvPr>
+          <p:cNvSpPr/>
+          <p:nvPr/>
+        </p:nvSpPr>
+        <p:spPr>
+          <a:xfrm>
+            <a:off x="1558238" y="2837941"/>
+            <a:ext cx="360209" cy="2017580"/>
+          </a:xfrm>
+          <a:prstGeom prst="rightBrace">
+            <a:avLst>
+              <a:gd name="adj1" fmla="val 110805"/>
+              <a:gd name="adj2" fmla="val 50000"/>
+            </a:avLst>
+          </a:prstGeom>
+          <a:ln w="19050"/>
+        </p:spPr>
+        <p:style>
+          <a:lnRef idx="1">
+            <a:schemeClr val="accent2"/>
+          </a:lnRef>
+          <a:fillRef idx="0">
+            <a:schemeClr val="accent2"/>
+          </a:fillRef>
+          <a:effectRef idx="0">
+            <a:schemeClr val="accent2"/>
+          </a:effectRef>
+          <a:fontRef idx="minor">
+            <a:schemeClr val="tx1"/>
+          </a:fontRef>
+        </p:style>
+        <p:txBody>
+          <a:bodyPr rtlCol="0" anchor="ctr"/>
+          <a:lstStyle/>
+          <a:p>
+            <a:pPr algn="ctr"/>
+            <a:endParaRPr lang="en-US"/>
+          </a:p>
+        </p:txBody>
+      </p:sp>
+      <p:cxnSp>
+        <p:nvCxnSpPr>
+          <p:cNvPr id="8" name="Straight Arrow Connector 7">
+            <a:extLst>
+              <a:ext uri="{FF2B5EF4-FFF2-40B4-BE49-F238E27FC236}">
+                <a16:creationId xmlns:a16="http://schemas.microsoft.com/office/drawing/2014/main" id="{329A6707-4D55-4F40-9127-57DFDBFD56B4}"/>
+              </a:ext>
+            </a:extLst>
+          </p:cNvPr>
+          <p:cNvCxnSpPr>
+            <a:cxnSpLocks/>
+            <a:stCxn id="15" idx="3"/>
+            <a:endCxn id="20" idx="1"/>
+          </p:cNvCxnSpPr>
+          <p:nvPr/>
+        </p:nvCxnSpPr>
+        <p:spPr>
+          <a:xfrm flipV="1">
+            <a:off x="4924339" y="3851151"/>
+            <a:ext cx="1096990" cy="824"/>
+          </a:xfrm>
+          <a:prstGeom prst="straightConnector1">
+            <a:avLst/>
+          </a:prstGeom>
+          <a:ln w="38100">
+            <a:solidFill>
+              <a:schemeClr val="tx1"/>
+            </a:solidFill>
+            <a:tailEnd type="triangle"/>
+          </a:ln>
+        </p:spPr>
+        <p:style>
+          <a:lnRef idx="1">
+            <a:schemeClr val="accent1"/>
+          </a:lnRef>
+          <a:fillRef idx="0">
+            <a:schemeClr val="accent1"/>
+          </a:fillRef>
+          <a:effectRef idx="0">
+            <a:schemeClr val="accent1"/>
+          </a:effectRef>
+          <a:fontRef idx="minor">
+            <a:schemeClr val="tx1"/>
+          </a:fontRef>
+        </p:style>
+      </p:cxnSp>
+      <p:cxnSp>
+        <p:nvCxnSpPr>
+          <p:cNvPr id="30" name="Straight Arrow Connector 29">
+            <a:extLst>
+              <a:ext uri="{FF2B5EF4-FFF2-40B4-BE49-F238E27FC236}">
+                <a16:creationId xmlns:a16="http://schemas.microsoft.com/office/drawing/2014/main" id="{9FBA1147-987A-4E8C-8939-1AA3C9A65563}"/>
+              </a:ext>
+            </a:extLst>
+          </p:cNvPr>
+          <p:cNvCxnSpPr>
+            <a:cxnSpLocks/>
+            <a:stCxn id="20" idx="3"/>
+            <a:endCxn id="24" idx="1"/>
+          </p:cNvCxnSpPr>
+          <p:nvPr/>
+        </p:nvCxnSpPr>
+        <p:spPr>
+          <a:xfrm>
+            <a:off x="7973578" y="3851151"/>
+            <a:ext cx="1096991" cy="0"/>
+          </a:xfrm>
+          <a:prstGeom prst="straightConnector1">
+            <a:avLst/>
+          </a:prstGeom>
+          <a:ln w="38100">
+            <a:solidFill>
+              <a:schemeClr val="tx1"/>
+            </a:solidFill>
+            <a:tailEnd type="triangle"/>
+          </a:ln>
+        </p:spPr>
+        <p:style>
+          <a:lnRef idx="1">
+            <a:schemeClr val="accent1"/>
+          </a:lnRef>
+          <a:fillRef idx="0">
+            <a:schemeClr val="accent1"/>
+          </a:fillRef>
+          <a:effectRef idx="0">
+            <a:schemeClr val="accent1"/>
+          </a:effectRef>
+          <a:fontRef idx="minor">
+            <a:schemeClr val="tx1"/>
+          </a:fontRef>
+        </p:style>
+      </p:cxnSp>
+      <p:sp>
+        <p:nvSpPr>
+          <p:cNvPr id="49" name="TextBox 48">
+            <a:extLst>
+              <a:ext uri="{FF2B5EF4-FFF2-40B4-BE49-F238E27FC236}">
+                <a16:creationId xmlns:a16="http://schemas.microsoft.com/office/drawing/2014/main" id="{10FA08C2-DD7C-43F2-9FF2-4844EBCB59B9}"/>
+              </a:ext>
+            </a:extLst>
+          </p:cNvPr>
+          <p:cNvSpPr txBox="1"/>
+          <p:nvPr/>
+        </p:nvSpPr>
+        <p:spPr>
+          <a:xfrm>
+            <a:off x="4811241" y="3225182"/>
+            <a:ext cx="1441459" cy="369332"/>
+          </a:xfrm>
+          <a:prstGeom prst="rect">
+            <a:avLst/>
+          </a:prstGeom>
+          <a:noFill/>
+        </p:spPr>
+        <p:txBody>
+          <a:bodyPr wrap="square" rtlCol="0">
+            <a:spAutoFit/>
+          </a:bodyPr>
+          <a:lstStyle/>
+          <a:p>
+            <a:r>
+              <a:rPr lang="en-US" dirty="0">
+                <a:latin typeface="Times New Roman" panose="02020603050405020304" pitchFamily="18" charset="0"/>
+                <a:cs typeface="Times New Roman" panose="02020603050405020304" pitchFamily="18" charset="0"/>
+              </a:rPr>
+              <a:t>Spectrogram</a:t>
+            </a:r>
+          </a:p>
+        </p:txBody>
+      </p:sp>
+      <p:sp>
+        <p:nvSpPr>
+          <p:cNvPr id="52" name="Right Brace 51">
+            <a:extLst>
+              <a:ext uri="{FF2B5EF4-FFF2-40B4-BE49-F238E27FC236}">
+                <a16:creationId xmlns:a16="http://schemas.microsoft.com/office/drawing/2014/main" id="{E58D57AF-472E-4F77-9693-B757D90077A0}"/>
+              </a:ext>
+            </a:extLst>
+          </p:cNvPr>
+          <p:cNvSpPr/>
+          <p:nvPr/>
+        </p:nvSpPr>
+        <p:spPr>
+          <a:xfrm rot="16200000">
+            <a:off x="6794973" y="3487130"/>
+            <a:ext cx="360209" cy="1758154"/>
+          </a:xfrm>
+          <a:prstGeom prst="rightBrace">
+            <a:avLst/>
+          </a:prstGeom>
+          <a:ln w="12700"/>
+        </p:spPr>
+        <p:style>
+          <a:lnRef idx="1">
+            <a:schemeClr val="accent4"/>
+          </a:lnRef>
+          <a:fillRef idx="0">
+            <a:schemeClr val="accent4"/>
+          </a:fillRef>
+          <a:effectRef idx="0">
+            <a:schemeClr val="accent4"/>
+          </a:effectRef>
+          <a:fontRef idx="minor">
+            <a:schemeClr val="tx1"/>
+          </a:fontRef>
+        </p:style>
+        <p:txBody>
+          <a:bodyPr rtlCol="0" anchor="ctr"/>
+          <a:lstStyle/>
+          <a:p>
+            <a:pPr algn="ctr"/>
+            <a:endParaRPr lang="en-US"/>
+          </a:p>
+        </p:txBody>
+      </p:sp>
+      <p:cxnSp>
+        <p:nvCxnSpPr>
+          <p:cNvPr id="53" name="Straight Arrow Connector 52">
+            <a:extLst>
+              <a:ext uri="{FF2B5EF4-FFF2-40B4-BE49-F238E27FC236}">
+                <a16:creationId xmlns:a16="http://schemas.microsoft.com/office/drawing/2014/main" id="{00617E58-4328-4AB3-A1D8-4A72286CFFCD}"/>
+              </a:ext>
+            </a:extLst>
+          </p:cNvPr>
+          <p:cNvCxnSpPr>
+            <a:cxnSpLocks/>
+            <a:stCxn id="6" idx="1"/>
+            <a:endCxn id="15" idx="1"/>
+          </p:cNvCxnSpPr>
+          <p:nvPr/>
+        </p:nvCxnSpPr>
+        <p:spPr>
+          <a:xfrm>
+            <a:off x="1918447" y="3846731"/>
+            <a:ext cx="1053643" cy="5244"/>
+          </a:xfrm>
+          <a:prstGeom prst="straightConnector1">
+            <a:avLst/>
+          </a:prstGeom>
+          <a:ln w="38100">
+            <a:solidFill>
+              <a:schemeClr val="tx1"/>
+            </a:solidFill>
+            <a:tailEnd type="triangle"/>
+          </a:ln>
+        </p:spPr>
+        <p:style>
+          <a:lnRef idx="1">
+            <a:schemeClr val="accent1"/>
+          </a:lnRef>
+          <a:fillRef idx="0">
+            <a:schemeClr val="accent1"/>
+          </a:fillRef>
+          <a:effectRef idx="0">
+            <a:schemeClr val="accent1"/>
+          </a:effectRef>
+          <a:fontRef idx="minor">
+            <a:schemeClr val="tx1"/>
+          </a:fontRef>
+        </p:style>
+      </p:cxnSp>
+      <p:sp>
+        <p:nvSpPr>
+          <p:cNvPr id="58" name="Right Brace 57">
+            <a:extLst>
+              <a:ext uri="{FF2B5EF4-FFF2-40B4-BE49-F238E27FC236}">
+                <a16:creationId xmlns:a16="http://schemas.microsoft.com/office/drawing/2014/main" id="{80A7372D-B3FC-4132-8E78-A19C5259AA7F}"/>
+              </a:ext>
+            </a:extLst>
+          </p:cNvPr>
+          <p:cNvSpPr/>
+          <p:nvPr/>
+        </p:nvSpPr>
+        <p:spPr>
+          <a:xfrm rot="16200000">
+            <a:off x="3730525" y="3481047"/>
+            <a:ext cx="360209" cy="1758154"/>
+          </a:xfrm>
+          <a:prstGeom prst="rightBrace">
+            <a:avLst/>
+          </a:prstGeom>
+          <a:ln w="12700"/>
+        </p:spPr>
+        <p:style>
+          <a:lnRef idx="1">
+            <a:schemeClr val="accent5"/>
+          </a:lnRef>
+          <a:fillRef idx="0">
+            <a:schemeClr val="accent5"/>
+          </a:fillRef>
+          <a:effectRef idx="0">
+            <a:schemeClr val="accent5"/>
+          </a:effectRef>
+          <a:fontRef idx="minor">
+            <a:schemeClr val="tx1"/>
+          </a:fontRef>
+        </p:style>
+        <p:txBody>
+          <a:bodyPr rtlCol="0" anchor="ctr"/>
+          <a:lstStyle/>
+          <a:p>
+            <a:pPr algn="ctr"/>
+            <a:endParaRPr lang="en-US"/>
+          </a:p>
+        </p:txBody>
+      </p:sp>
+      <p:sp>
+        <p:nvSpPr>
+          <p:cNvPr id="59" name="TextBox 58">
+            <a:extLst>
+              <a:ext uri="{FF2B5EF4-FFF2-40B4-BE49-F238E27FC236}">
+                <a16:creationId xmlns:a16="http://schemas.microsoft.com/office/drawing/2014/main" id="{CA530FE4-400B-4546-9416-20B53D6711CE}"/>
+              </a:ext>
+            </a:extLst>
+          </p:cNvPr>
+          <p:cNvSpPr txBox="1"/>
+          <p:nvPr/>
+        </p:nvSpPr>
+        <p:spPr>
+          <a:xfrm>
+            <a:off x="1948177" y="3244334"/>
+            <a:ext cx="1053644" cy="369332"/>
+          </a:xfrm>
+          <a:prstGeom prst="rect">
+            <a:avLst/>
+          </a:prstGeom>
+          <a:noFill/>
+        </p:spPr>
+        <p:txBody>
+          <a:bodyPr wrap="square" rtlCol="0">
+            <a:spAutoFit/>
+          </a:bodyPr>
+          <a:lstStyle/>
+          <a:p>
+            <a:r>
+              <a:rPr lang="en-US" dirty="0">
+                <a:latin typeface="Times New Roman" panose="02020603050405020304" pitchFamily="18" charset="0"/>
+                <a:cs typeface="Times New Roman" panose="02020603050405020304" pitchFamily="18" charset="0"/>
+              </a:rPr>
+              <a:t>1D data</a:t>
+            </a:r>
+          </a:p>
+        </p:txBody>
+      </p:sp>
+      <p:sp>
+        <p:nvSpPr>
+          <p:cNvPr id="60" name="TextBox 59">
+            <a:extLst>
+              <a:ext uri="{FF2B5EF4-FFF2-40B4-BE49-F238E27FC236}">
+                <a16:creationId xmlns:a16="http://schemas.microsoft.com/office/drawing/2014/main" id="{7BE39C0C-B827-458B-881D-E9B09D8EB856}"/>
+              </a:ext>
+            </a:extLst>
+          </p:cNvPr>
+          <p:cNvSpPr txBox="1"/>
+          <p:nvPr/>
+        </p:nvSpPr>
+        <p:spPr>
+          <a:xfrm>
+            <a:off x="2916243" y="4622456"/>
+            <a:ext cx="1873463" cy="1446550"/>
+          </a:xfrm>
+          <a:prstGeom prst="rect">
+            <a:avLst/>
+          </a:prstGeom>
+          <a:noFill/>
+        </p:spPr>
+        <p:txBody>
+          <a:bodyPr wrap="square" rtlCol="0">
+            <a:spAutoFit/>
+          </a:bodyPr>
+          <a:lstStyle/>
+          <a:p>
+            <a:pPr algn="ctr"/>
+            <a:r>
+              <a:rPr lang="en-US" sz="2200" dirty="0">
+                <a:latin typeface="Times New Roman" panose="02020603050405020304" pitchFamily="18" charset="0"/>
+                <a:cs typeface="Times New Roman" panose="02020603050405020304" pitchFamily="18" charset="0"/>
+              </a:rPr>
+              <a:t>1D to 2D conversion</a:t>
+            </a:r>
+          </a:p>
+          <a:p>
+            <a:pPr algn="ctr"/>
+            <a:r>
+              <a:rPr lang="en-US" sz="2200" dirty="0">
+                <a:latin typeface="Times New Roman" panose="02020603050405020304" pitchFamily="18" charset="0"/>
+                <a:cs typeface="Times New Roman" panose="02020603050405020304" pitchFamily="18" charset="0"/>
+              </a:rPr>
+              <a:t>+</a:t>
+            </a:r>
+          </a:p>
+          <a:p>
+            <a:pPr algn="ctr"/>
+            <a:r>
+              <a:rPr lang="en-US" sz="2200" dirty="0">
+                <a:latin typeface="Times New Roman" panose="02020603050405020304" pitchFamily="18" charset="0"/>
+                <a:cs typeface="Times New Roman" panose="02020603050405020304" pitchFamily="18" charset="0"/>
+              </a:rPr>
+              <a:t>STFT</a:t>
+            </a:r>
+          </a:p>
+        </p:txBody>
+      </p:sp>
+      <p:sp>
+        <p:nvSpPr>
+          <p:cNvPr id="61" name="TextBox 60">
+            <a:extLst>
+              <a:ext uri="{FF2B5EF4-FFF2-40B4-BE49-F238E27FC236}">
+                <a16:creationId xmlns:a16="http://schemas.microsoft.com/office/drawing/2014/main" id="{F7546269-029E-43D2-A35A-783981297618}"/>
+              </a:ext>
+            </a:extLst>
+          </p:cNvPr>
+          <p:cNvSpPr txBox="1"/>
+          <p:nvPr/>
+        </p:nvSpPr>
+        <p:spPr>
+          <a:xfrm>
+            <a:off x="6021329" y="4599037"/>
+            <a:ext cx="1873463" cy="769441"/>
+          </a:xfrm>
+          <a:prstGeom prst="rect">
+            <a:avLst/>
+          </a:prstGeom>
+          <a:noFill/>
+        </p:spPr>
+        <p:txBody>
+          <a:bodyPr wrap="square" rtlCol="0">
+            <a:spAutoFit/>
+          </a:bodyPr>
+          <a:lstStyle/>
+          <a:p>
+            <a:pPr algn="ctr"/>
+            <a:r>
+              <a:rPr lang="en-US" sz="2200" dirty="0">
+                <a:latin typeface="Times New Roman" panose="02020603050405020304" pitchFamily="18" charset="0"/>
+                <a:cs typeface="Times New Roman" panose="02020603050405020304" pitchFamily="18" charset="0"/>
+              </a:rPr>
+              <a:t>Classify using trained model</a:t>
+            </a:r>
           </a:p>
         </p:txBody>
       </p:sp>
     </p:spTree>
     <p:extLst>
       <p:ext uri="{BB962C8B-B14F-4D97-AF65-F5344CB8AC3E}">
-        <p14:creationId xmlns:p14="http://schemas.microsoft.com/office/powerpoint/2010/main" val="4167302775"/>
+        <p14:creationId xmlns:p14="http://schemas.microsoft.com/office/powerpoint/2010/main" val="3271558478"/>
       </p:ext>
     </p:extLst>
   </p:cSld>
@@ -8556,7 +9347,7 @@
           <p:cNvPr id="9" name="TextBox 8">
             <a:extLst>
               <a:ext uri="{FF2B5EF4-FFF2-40B4-BE49-F238E27FC236}">
-                <a16:creationId xmlns:a16="http://schemas.microsoft.com/office/drawing/2014/main" id="{39A9DCD3-F794-4C45-8A7D-CD57CBEEE291}"/>
+                <a16:creationId xmlns:a16="http://schemas.microsoft.com/office/drawing/2014/main" id="{EF386AD6-4AFA-42FA-AAE8-E232F7B0FC08}"/>
               </a:ext>
             </a:extLst>
           </p:cNvPr>
@@ -8599,17 +9390,17 @@
                 <a:ea typeface="+mj-ea"/>
                 <a:cs typeface="Times New Roman" panose="02020603050405020304" pitchFamily="18" charset="0"/>
               </a:rPr>
-              <a:t>Conclusion</a:t>
+              <a:t>Experiment Result</a:t>
             </a:r>
           </a:p>
         </p:txBody>
       </p:sp>
       <p:sp>
         <p:nvSpPr>
-          <p:cNvPr id="10" name="TextBox 9">
-            <a:extLst>
-              <a:ext uri="{FF2B5EF4-FFF2-40B4-BE49-F238E27FC236}">
-                <a16:creationId xmlns:a16="http://schemas.microsoft.com/office/drawing/2014/main" id="{3E2366B4-DA4C-41BE-83B1-CFB5B8ABECD9}"/>
+          <p:cNvPr id="11" name="TextBox 10">
+            <a:extLst>
+              <a:ext uri="{FF2B5EF4-FFF2-40B4-BE49-F238E27FC236}">
+                <a16:creationId xmlns:a16="http://schemas.microsoft.com/office/drawing/2014/main" id="{7CE3E37A-D160-4280-8C8A-C86CC66F42FE}"/>
               </a:ext>
             </a:extLst>
           </p:cNvPr>
@@ -8618,8 +9409,8 @@
         </p:nvSpPr>
         <p:spPr>
           <a:xfrm>
-            <a:off x="643468" y="1782981"/>
-            <a:ext cx="6842935" cy="4393982"/>
+            <a:off x="670705" y="1254141"/>
+            <a:ext cx="4949919" cy="1229973"/>
           </a:xfrm>
           <a:prstGeom prst="rect">
             <a:avLst/>
@@ -8627,11 +9418,11 @@
         </p:spPr>
         <p:txBody>
           <a:bodyPr vert="horz" lIns="91440" tIns="45720" rIns="91440" bIns="45720" rtlCol="0">
-            <a:normAutofit/>
+            <a:noAutofit/>
           </a:bodyPr>
           <a:lstStyle/>
           <a:p>
-            <a:pPr indent="-228600">
+            <a:pPr>
               <a:lnSpc>
                 <a:spcPct val="90000"/>
               </a:lnSpc>
@@ -8641,19 +9432,17 @@
               <a:buClr>
                 <a:schemeClr val="accent1"/>
               </a:buClr>
-              <a:buFont typeface="Arial" panose="020B0604020202020204" pitchFamily="34" charset="0"/>
-              <a:buChar char="•"/>
             </a:pPr>
             <a:r>
               <a:rPr lang="en-US" sz="2200" dirty="0">
                 <a:latin typeface="Times New Roman" panose="02020603050405020304" pitchFamily="18" charset="0"/>
                 <a:cs typeface="Times New Roman" panose="02020603050405020304" pitchFamily="18" charset="0"/>
               </a:rPr>
-              <a:t>Font : Times New Roman size 22</a:t>
+              <a:t>There are two parts in experiment results.</a:t>
             </a:r>
           </a:p>
           <a:p>
-            <a:pPr indent="-228600">
+            <a:pPr marL="457200" indent="-457200">
               <a:lnSpc>
                 <a:spcPct val="90000"/>
               </a:lnSpc>
@@ -8663,20 +9452,353 @@
               <a:buClr>
                 <a:schemeClr val="accent1"/>
               </a:buClr>
-              <a:buFont typeface="Arial" panose="020B0604020202020204" pitchFamily="34" charset="0"/>
-              <a:buChar char="•"/>
+              <a:buAutoNum type="arabicPeriod"/>
             </a:pPr>
-            <a:endParaRPr lang="en-US" sz="2200" dirty="0">
-              <a:latin typeface="Times New Roman" panose="02020603050405020304" pitchFamily="18" charset="0"/>
-              <a:cs typeface="Times New Roman" panose="02020603050405020304" pitchFamily="18" charset="0"/>
-            </a:endParaRPr>
+            <a:r>
+              <a:rPr lang="en-US" sz="2200" dirty="0">
+                <a:latin typeface="Times New Roman" panose="02020603050405020304" pitchFamily="18" charset="0"/>
+                <a:cs typeface="Times New Roman" panose="02020603050405020304" pitchFamily="18" charset="0"/>
+              </a:rPr>
+              <a:t>Evaluation of trained CNN model</a:t>
+            </a:r>
+          </a:p>
+        </p:txBody>
+      </p:sp>
+      <p:graphicFrame>
+        <p:nvGraphicFramePr>
+          <p:cNvPr id="2" name="Table 2">
+            <a:extLst>
+              <a:ext uri="{FF2B5EF4-FFF2-40B4-BE49-F238E27FC236}">
+                <a16:creationId xmlns:a16="http://schemas.microsoft.com/office/drawing/2014/main" id="{B8BC7B6C-4033-42EA-AE54-42D60C903AFA}"/>
+              </a:ext>
+            </a:extLst>
+          </p:cNvPr>
+          <p:cNvGraphicFramePr>
+            <a:graphicFrameLocks noGrp="1"/>
+          </p:cNvGraphicFramePr>
+          <p:nvPr>
+            <p:extLst>
+              <p:ext uri="{D42A27DB-BD31-4B8C-83A1-F6EECF244321}">
+                <p14:modId xmlns:p14="http://schemas.microsoft.com/office/powerpoint/2010/main" val="1636750722"/>
+              </p:ext>
+            </p:extLst>
+          </p:nvPr>
+        </p:nvGraphicFramePr>
+        <p:xfrm>
+          <a:off x="3699686" y="3032581"/>
+          <a:ext cx="4293300" cy="2271570"/>
+        </p:xfrm>
+        <a:graphic>
+          <a:graphicData uri="http://schemas.openxmlformats.org/drawingml/2006/table">
+            <a:tbl>
+              <a:tblPr firstRow="1" bandRow="1">
+                <a:tableStyleId>{3B4B98B0-60AC-42C2-AFA5-B58CD77FA1E5}</a:tableStyleId>
+              </a:tblPr>
+              <a:tblGrid>
+                <a:gridCol w="2146650">
+                  <a:extLst>
+                    <a:ext uri="{9D8B030D-6E8A-4147-A177-3AD203B41FA5}">
+                      <a16:colId xmlns:a16="http://schemas.microsoft.com/office/drawing/2014/main" val="3477120861"/>
+                    </a:ext>
+                  </a:extLst>
+                </a:gridCol>
+                <a:gridCol w="2146650">
+                  <a:extLst>
+                    <a:ext uri="{9D8B030D-6E8A-4147-A177-3AD203B41FA5}">
+                      <a16:colId xmlns:a16="http://schemas.microsoft.com/office/drawing/2014/main" val="2758611918"/>
+                    </a:ext>
+                  </a:extLst>
+                </a:gridCol>
+              </a:tblGrid>
+              <a:tr h="454314">
+                <a:tc>
+                  <a:txBody>
+                    <a:bodyPr/>
+                    <a:lstStyle/>
+                    <a:p>
+                      <a:pPr algn="ctr"/>
+                      <a:r>
+                        <a:rPr lang="en-US" sz="2200" dirty="0">
+                          <a:latin typeface="Times New Roman" panose="02020603050405020304" pitchFamily="18" charset="0"/>
+                          <a:cs typeface="Times New Roman" panose="02020603050405020304" pitchFamily="18" charset="0"/>
+                        </a:rPr>
+                        <a:t>Measurement</a:t>
+                      </a:r>
+                    </a:p>
+                  </a:txBody>
+                  <a:tcPr/>
+                </a:tc>
+                <a:tc>
+                  <a:txBody>
+                    <a:bodyPr/>
+                    <a:lstStyle/>
+                    <a:p>
+                      <a:pPr algn="ctr"/>
+                      <a:r>
+                        <a:rPr lang="en-US" sz="2200" dirty="0">
+                          <a:latin typeface="Times New Roman" panose="02020603050405020304" pitchFamily="18" charset="0"/>
+                          <a:cs typeface="Times New Roman" panose="02020603050405020304" pitchFamily="18" charset="0"/>
+                        </a:rPr>
+                        <a:t>Average Value</a:t>
+                      </a:r>
+                    </a:p>
+                  </a:txBody>
+                  <a:tcPr/>
+                </a:tc>
+                <a:extLst>
+                  <a:ext uri="{0D108BD9-81ED-4DB2-BD59-A6C34878D82A}">
+                    <a16:rowId xmlns:a16="http://schemas.microsoft.com/office/drawing/2014/main" val="2024343439"/>
+                  </a:ext>
+                </a:extLst>
+              </a:tr>
+              <a:tr h="454314">
+                <a:tc>
+                  <a:txBody>
+                    <a:bodyPr/>
+                    <a:lstStyle/>
+                    <a:p>
+                      <a:pPr algn="ctr"/>
+                      <a:r>
+                        <a:rPr lang="en-US" sz="2200" dirty="0">
+                          <a:latin typeface="Times New Roman" panose="02020603050405020304" pitchFamily="18" charset="0"/>
+                          <a:cs typeface="Times New Roman" panose="02020603050405020304" pitchFamily="18" charset="0"/>
+                        </a:rPr>
+                        <a:t>Accuracy</a:t>
+                      </a:r>
+                    </a:p>
+                  </a:txBody>
+                  <a:tcPr/>
+                </a:tc>
+                <a:tc>
+                  <a:txBody>
+                    <a:bodyPr/>
+                    <a:lstStyle/>
+                    <a:p>
+                      <a:pPr algn="ctr"/>
+                      <a:r>
+                        <a:rPr lang="en-US" sz="2200" dirty="0">
+                          <a:latin typeface="Times New Roman" panose="02020603050405020304" pitchFamily="18" charset="0"/>
+                          <a:cs typeface="Times New Roman" panose="02020603050405020304" pitchFamily="18" charset="0"/>
+                        </a:rPr>
+                        <a:t>0.879</a:t>
+                      </a:r>
+                    </a:p>
+                  </a:txBody>
+                  <a:tcPr/>
+                </a:tc>
+                <a:extLst>
+                  <a:ext uri="{0D108BD9-81ED-4DB2-BD59-A6C34878D82A}">
+                    <a16:rowId xmlns:a16="http://schemas.microsoft.com/office/drawing/2014/main" val="3449076970"/>
+                  </a:ext>
+                </a:extLst>
+              </a:tr>
+              <a:tr h="454314">
+                <a:tc>
+                  <a:txBody>
+                    <a:bodyPr/>
+                    <a:lstStyle/>
+                    <a:p>
+                      <a:pPr algn="ctr"/>
+                      <a:r>
+                        <a:rPr lang="en-US" sz="2200" dirty="0">
+                          <a:latin typeface="Times New Roman" panose="02020603050405020304" pitchFamily="18" charset="0"/>
+                          <a:cs typeface="Times New Roman" panose="02020603050405020304" pitchFamily="18" charset="0"/>
+                        </a:rPr>
+                        <a:t>Precision</a:t>
+                      </a:r>
+                    </a:p>
+                  </a:txBody>
+                  <a:tcPr/>
+                </a:tc>
+                <a:tc>
+                  <a:txBody>
+                    <a:bodyPr/>
+                    <a:lstStyle/>
+                    <a:p>
+                      <a:pPr algn="ctr"/>
+                      <a:r>
+                        <a:rPr lang="en-US" sz="2200" dirty="0">
+                          <a:latin typeface="Times New Roman" panose="02020603050405020304" pitchFamily="18" charset="0"/>
+                          <a:cs typeface="Times New Roman" panose="02020603050405020304" pitchFamily="18" charset="0"/>
+                        </a:rPr>
+                        <a:t>0.906</a:t>
+                      </a:r>
+                    </a:p>
+                  </a:txBody>
+                  <a:tcPr/>
+                </a:tc>
+                <a:extLst>
+                  <a:ext uri="{0D108BD9-81ED-4DB2-BD59-A6C34878D82A}">
+                    <a16:rowId xmlns:a16="http://schemas.microsoft.com/office/drawing/2014/main" val="119896400"/>
+                  </a:ext>
+                </a:extLst>
+              </a:tr>
+              <a:tr h="454314">
+                <a:tc>
+                  <a:txBody>
+                    <a:bodyPr/>
+                    <a:lstStyle/>
+                    <a:p>
+                      <a:pPr algn="ctr"/>
+                      <a:r>
+                        <a:rPr lang="en-US" sz="2200" dirty="0">
+                          <a:latin typeface="Times New Roman" panose="02020603050405020304" pitchFamily="18" charset="0"/>
+                          <a:cs typeface="Times New Roman" panose="02020603050405020304" pitchFamily="18" charset="0"/>
+                        </a:rPr>
+                        <a:t>Recall</a:t>
+                      </a:r>
+                    </a:p>
+                  </a:txBody>
+                  <a:tcPr/>
+                </a:tc>
+                <a:tc>
+                  <a:txBody>
+                    <a:bodyPr/>
+                    <a:lstStyle/>
+                    <a:p>
+                      <a:pPr algn="ctr"/>
+                      <a:r>
+                        <a:rPr lang="en-US" sz="2200" dirty="0">
+                          <a:latin typeface="Times New Roman" panose="02020603050405020304" pitchFamily="18" charset="0"/>
+                          <a:cs typeface="Times New Roman" panose="02020603050405020304" pitchFamily="18" charset="0"/>
+                        </a:rPr>
+                        <a:t>0.890</a:t>
+                      </a:r>
+                    </a:p>
+                  </a:txBody>
+                  <a:tcPr/>
+                </a:tc>
+                <a:extLst>
+                  <a:ext uri="{0D108BD9-81ED-4DB2-BD59-A6C34878D82A}">
+                    <a16:rowId xmlns:a16="http://schemas.microsoft.com/office/drawing/2014/main" val="1351258140"/>
+                  </a:ext>
+                </a:extLst>
+              </a:tr>
+              <a:tr h="454314">
+                <a:tc>
+                  <a:txBody>
+                    <a:bodyPr/>
+                    <a:lstStyle/>
+                    <a:p>
+                      <a:pPr algn="ctr"/>
+                      <a:r>
+                        <a:rPr lang="en-US" sz="2200" dirty="0">
+                          <a:latin typeface="Times New Roman" panose="02020603050405020304" pitchFamily="18" charset="0"/>
+                          <a:cs typeface="Times New Roman" panose="02020603050405020304" pitchFamily="18" charset="0"/>
+                        </a:rPr>
+                        <a:t>F1-Score</a:t>
+                      </a:r>
+                    </a:p>
+                  </a:txBody>
+                  <a:tcPr/>
+                </a:tc>
+                <a:tc>
+                  <a:txBody>
+                    <a:bodyPr/>
+                    <a:lstStyle/>
+                    <a:p>
+                      <a:pPr algn="ctr"/>
+                      <a:r>
+                        <a:rPr lang="en-US" sz="2200" dirty="0">
+                          <a:latin typeface="Times New Roman" panose="02020603050405020304" pitchFamily="18" charset="0"/>
+                          <a:cs typeface="Times New Roman" panose="02020603050405020304" pitchFamily="18" charset="0"/>
+                        </a:rPr>
+                        <a:t>0.901</a:t>
+                      </a:r>
+                    </a:p>
+                  </a:txBody>
+                  <a:tcPr/>
+                </a:tc>
+                <a:extLst>
+                  <a:ext uri="{0D108BD9-81ED-4DB2-BD59-A6C34878D82A}">
+                    <a16:rowId xmlns:a16="http://schemas.microsoft.com/office/drawing/2014/main" val="2491176557"/>
+                  </a:ext>
+                </a:extLst>
+              </a:tr>
+            </a:tbl>
+          </a:graphicData>
+        </a:graphic>
+      </p:graphicFrame>
+      <p:sp>
+        <p:nvSpPr>
+          <p:cNvPr id="3" name="TextBox 2">
+            <a:extLst>
+              <a:ext uri="{FF2B5EF4-FFF2-40B4-BE49-F238E27FC236}">
+                <a16:creationId xmlns:a16="http://schemas.microsoft.com/office/drawing/2014/main" id="{AC35400A-323D-4F92-9943-562C527F6FB5}"/>
+              </a:ext>
+            </a:extLst>
+          </p:cNvPr>
+          <p:cNvSpPr txBox="1"/>
+          <p:nvPr/>
+        </p:nvSpPr>
+        <p:spPr>
+          <a:xfrm>
+            <a:off x="3207702" y="2339256"/>
+            <a:ext cx="5698610" cy="430887"/>
+          </a:xfrm>
+          <a:prstGeom prst="rect">
+            <a:avLst/>
+          </a:prstGeom>
+          <a:noFill/>
+        </p:spPr>
+        <p:txBody>
+          <a:bodyPr wrap="square" rtlCol="0">
+            <a:spAutoFit/>
+          </a:bodyPr>
+          <a:lstStyle/>
+          <a:p>
+            <a:r>
+              <a:rPr lang="en-US" sz="2200" dirty="0">
+                <a:latin typeface="Times New Roman" panose="02020603050405020304" pitchFamily="18" charset="0"/>
+                <a:cs typeface="Times New Roman" panose="02020603050405020304" pitchFamily="18" charset="0"/>
+              </a:rPr>
+              <a:t>Table 1: Measurement of trained CNN model</a:t>
+            </a:r>
+          </a:p>
+        </p:txBody>
+      </p:sp>
+      <p:sp>
+        <p:nvSpPr>
+          <p:cNvPr id="16" name="TextBox 15">
+            <a:extLst>
+              <a:ext uri="{FF2B5EF4-FFF2-40B4-BE49-F238E27FC236}">
+                <a16:creationId xmlns:a16="http://schemas.microsoft.com/office/drawing/2014/main" id="{B28F0065-8592-4BE0-AD40-A2CFFD5AC05A}"/>
+              </a:ext>
+            </a:extLst>
+          </p:cNvPr>
+          <p:cNvSpPr txBox="1"/>
+          <p:nvPr/>
+        </p:nvSpPr>
+        <p:spPr>
+          <a:xfrm>
+            <a:off x="3207702" y="5392548"/>
+            <a:ext cx="5698610" cy="769441"/>
+          </a:xfrm>
+          <a:prstGeom prst="rect">
+            <a:avLst/>
+          </a:prstGeom>
+          <a:noFill/>
+        </p:spPr>
+        <p:txBody>
+          <a:bodyPr wrap="square" rtlCol="0">
+            <a:spAutoFit/>
+          </a:bodyPr>
+          <a:lstStyle/>
+          <a:p>
+            <a:r>
+              <a:rPr lang="en-US" sz="2200" dirty="0">
+                <a:latin typeface="Times New Roman" panose="02020603050405020304" pitchFamily="18" charset="0"/>
+                <a:cs typeface="Times New Roman" panose="02020603050405020304" pitchFamily="18" charset="0"/>
+              </a:rPr>
+              <a:t>Remarks : we conducted the experiment 100 times and find the average value.</a:t>
+            </a:r>
           </a:p>
         </p:txBody>
       </p:sp>
     </p:spTree>
     <p:extLst>
       <p:ext uri="{BB962C8B-B14F-4D97-AF65-F5344CB8AC3E}">
-        <p14:creationId xmlns:p14="http://schemas.microsoft.com/office/powerpoint/2010/main" val="1291641331"/>
+        <p14:creationId xmlns:p14="http://schemas.microsoft.com/office/powerpoint/2010/main" val="4167302775"/>
       </p:ext>
     </p:extLst>
   </p:cSld>
@@ -8686,7 +9808,7 @@
 </p:sld>
 </file>
 
-<file path=ppt/slides/slide2.xml><?xml version="1.0" encoding="utf-8"?>
+<file path=ppt/slides/slide14.xml><?xml version="1.0" encoding="utf-8"?>
 <p:sld xmlns:a="http://schemas.openxmlformats.org/drawingml/2006/main" xmlns:r="http://schemas.openxmlformats.org/officeDocument/2006/relationships" xmlns:p="http://schemas.openxmlformats.org/presentationml/2006/main">
   <p:cSld>
     <p:spTree>
@@ -9088,6 +10210,2354 @@
       </p:grpSp>
       <p:sp>
         <p:nvSpPr>
+          <p:cNvPr id="9" name="TextBox 8">
+            <a:extLst>
+              <a:ext uri="{FF2B5EF4-FFF2-40B4-BE49-F238E27FC236}">
+                <a16:creationId xmlns:a16="http://schemas.microsoft.com/office/drawing/2014/main" id="{EF386AD6-4AFA-42FA-AAE8-E232F7B0FC08}"/>
+              </a:ext>
+            </a:extLst>
+          </p:cNvPr>
+          <p:cNvSpPr txBox="1"/>
+          <p:nvPr/>
+        </p:nvSpPr>
+        <p:spPr>
+          <a:xfrm>
+            <a:off x="643467" y="321734"/>
+            <a:ext cx="10905066" cy="1135737"/>
+          </a:xfrm>
+          <a:prstGeom prst="rect">
+            <a:avLst/>
+          </a:prstGeom>
+        </p:spPr>
+        <p:txBody>
+          <a:bodyPr vert="horz" lIns="91440" tIns="45720" rIns="91440" bIns="45720" rtlCol="0" anchor="ctr">
+            <a:normAutofit/>
+          </a:bodyPr>
+          <a:lstStyle/>
+          <a:p>
+            <a:pPr>
+              <a:lnSpc>
+                <a:spcPct val="90000"/>
+              </a:lnSpc>
+              <a:spcBef>
+                <a:spcPct val="0"/>
+              </a:spcBef>
+              <a:spcAft>
+                <a:spcPts val="600"/>
+              </a:spcAft>
+            </a:pPr>
+            <a:r>
+              <a:rPr lang="en-US" sz="3300" b="1" i="0" kern="1200" spc="-50" dirty="0">
+                <a:solidFill>
+                  <a:schemeClr val="tx1"/>
+                </a:solidFill>
+                <a:effectLst/>
+                <a:latin typeface="Times New Roman" panose="02020603050405020304" pitchFamily="18" charset="0"/>
+                <a:ea typeface="+mj-ea"/>
+                <a:cs typeface="Times New Roman" panose="02020603050405020304" pitchFamily="18" charset="0"/>
+              </a:rPr>
+              <a:t>Experiment Result</a:t>
+            </a:r>
+          </a:p>
+        </p:txBody>
+      </p:sp>
+      <p:sp>
+        <p:nvSpPr>
+          <p:cNvPr id="11" name="TextBox 10">
+            <a:extLst>
+              <a:ext uri="{FF2B5EF4-FFF2-40B4-BE49-F238E27FC236}">
+                <a16:creationId xmlns:a16="http://schemas.microsoft.com/office/drawing/2014/main" id="{7CE3E37A-D160-4280-8C8A-C86CC66F42FE}"/>
+              </a:ext>
+            </a:extLst>
+          </p:cNvPr>
+          <p:cNvSpPr txBox="1"/>
+          <p:nvPr/>
+        </p:nvSpPr>
+        <p:spPr>
+          <a:xfrm>
+            <a:off x="670705" y="1254141"/>
+            <a:ext cx="4949919" cy="1229973"/>
+          </a:xfrm>
+          <a:prstGeom prst="rect">
+            <a:avLst/>
+          </a:prstGeom>
+        </p:spPr>
+        <p:txBody>
+          <a:bodyPr vert="horz" lIns="91440" tIns="45720" rIns="91440" bIns="45720" rtlCol="0">
+            <a:noAutofit/>
+          </a:bodyPr>
+          <a:lstStyle/>
+          <a:p>
+            <a:pPr marL="457200" indent="-457200">
+              <a:lnSpc>
+                <a:spcPct val="90000"/>
+              </a:lnSpc>
+              <a:spcAft>
+                <a:spcPts val="600"/>
+              </a:spcAft>
+              <a:buClr>
+                <a:schemeClr val="accent1"/>
+              </a:buClr>
+              <a:buFont typeface="+mj-lt"/>
+              <a:buAutoNum type="arabicPeriod" startAt="2"/>
+            </a:pPr>
+            <a:r>
+              <a:rPr lang="en-US" sz="2200" dirty="0">
+                <a:latin typeface="Times New Roman" panose="02020603050405020304" pitchFamily="18" charset="0"/>
+                <a:cs typeface="Times New Roman" panose="02020603050405020304" pitchFamily="18" charset="0"/>
+              </a:rPr>
+              <a:t>Classification result</a:t>
+            </a:r>
+          </a:p>
+        </p:txBody>
+      </p:sp>
+      <p:pic>
+        <p:nvPicPr>
+          <p:cNvPr id="19" name="Picture 18" descr="Chart, bar chart&#10;&#10;Description automatically generated">
+            <a:extLst>
+              <a:ext uri="{FF2B5EF4-FFF2-40B4-BE49-F238E27FC236}">
+                <a16:creationId xmlns:a16="http://schemas.microsoft.com/office/drawing/2014/main" id="{717B4285-A9EB-4E01-AE58-60BBFF026D63}"/>
+              </a:ext>
+            </a:extLst>
+          </p:cNvPr>
+          <p:cNvPicPr>
+            <a:picLocks noChangeAspect="1"/>
+          </p:cNvPicPr>
+          <p:nvPr/>
+        </p:nvPicPr>
+        <p:blipFill>
+          <a:blip r:embed="rId2">
+            <a:extLst>
+              <a:ext uri="{28A0092B-C50C-407E-A947-70E740481C1C}">
+                <a14:useLocalDpi xmlns:a14="http://schemas.microsoft.com/office/drawing/2010/main" val="0"/>
+              </a:ext>
+            </a:extLst>
+          </a:blip>
+          <a:stretch>
+            <a:fillRect/>
+          </a:stretch>
+        </p:blipFill>
+        <p:spPr>
+          <a:xfrm>
+            <a:off x="643467" y="1880690"/>
+            <a:ext cx="5426994" cy="3260136"/>
+          </a:xfrm>
+          <a:prstGeom prst="rect">
+            <a:avLst/>
+          </a:prstGeom>
+        </p:spPr>
+      </p:pic>
+      <p:graphicFrame>
+        <p:nvGraphicFramePr>
+          <p:cNvPr id="4" name="Table 4">
+            <a:extLst>
+              <a:ext uri="{FF2B5EF4-FFF2-40B4-BE49-F238E27FC236}">
+                <a16:creationId xmlns:a16="http://schemas.microsoft.com/office/drawing/2014/main" id="{CEADEFA5-DDBB-4C19-AC25-C3752DF042A5}"/>
+              </a:ext>
+            </a:extLst>
+          </p:cNvPr>
+          <p:cNvGraphicFramePr>
+            <a:graphicFrameLocks noGrp="1"/>
+          </p:cNvGraphicFramePr>
+          <p:nvPr>
+            <p:extLst>
+              <p:ext uri="{D42A27DB-BD31-4B8C-83A1-F6EECF244321}">
+                <p14:modId xmlns:p14="http://schemas.microsoft.com/office/powerpoint/2010/main" val="4099073329"/>
+              </p:ext>
+            </p:extLst>
+          </p:nvPr>
+        </p:nvGraphicFramePr>
+        <p:xfrm>
+          <a:off x="6490133" y="1246305"/>
+          <a:ext cx="4687808" cy="5068548"/>
+        </p:xfrm>
+        <a:graphic>
+          <a:graphicData uri="http://schemas.openxmlformats.org/drawingml/2006/table">
+            <a:tbl>
+              <a:tblPr firstRow="1" bandRow="1">
+                <a:tableStyleId>{3B4B98B0-60AC-42C2-AFA5-B58CD77FA1E5}</a:tableStyleId>
+              </a:tblPr>
+              <a:tblGrid>
+                <a:gridCol w="853738">
+                  <a:extLst>
+                    <a:ext uri="{9D8B030D-6E8A-4147-A177-3AD203B41FA5}">
+                      <a16:colId xmlns:a16="http://schemas.microsoft.com/office/drawing/2014/main" val="2826820058"/>
+                    </a:ext>
+                  </a:extLst>
+                </a:gridCol>
+                <a:gridCol w="1490166">
+                  <a:extLst>
+                    <a:ext uri="{9D8B030D-6E8A-4147-A177-3AD203B41FA5}">
+                      <a16:colId xmlns:a16="http://schemas.microsoft.com/office/drawing/2014/main" val="2818317887"/>
+                    </a:ext>
+                  </a:extLst>
+                </a:gridCol>
+                <a:gridCol w="1171952">
+                  <a:extLst>
+                    <a:ext uri="{9D8B030D-6E8A-4147-A177-3AD203B41FA5}">
+                      <a16:colId xmlns:a16="http://schemas.microsoft.com/office/drawing/2014/main" val="3945862744"/>
+                    </a:ext>
+                  </a:extLst>
+                </a:gridCol>
+                <a:gridCol w="1171952">
+                  <a:extLst>
+                    <a:ext uri="{9D8B030D-6E8A-4147-A177-3AD203B41FA5}">
+                      <a16:colId xmlns:a16="http://schemas.microsoft.com/office/drawing/2014/main" val="683458874"/>
+                    </a:ext>
+                  </a:extLst>
+                </a:gridCol>
+              </a:tblGrid>
+              <a:tr h="369039">
+                <a:tc>
+                  <a:txBody>
+                    <a:bodyPr/>
+                    <a:lstStyle/>
+                    <a:p>
+                      <a:pPr algn="ctr"/>
+                      <a:r>
+                        <a:rPr lang="en-US" b="0" dirty="0">
+                          <a:latin typeface="Times New Roman" panose="02020603050405020304" pitchFamily="18" charset="0"/>
+                          <a:cs typeface="Times New Roman" panose="02020603050405020304" pitchFamily="18" charset="0"/>
+                        </a:rPr>
+                        <a:t>Object</a:t>
+                      </a:r>
+                    </a:p>
+                  </a:txBody>
+                  <a:tcPr/>
+                </a:tc>
+                <a:tc>
+                  <a:txBody>
+                    <a:bodyPr/>
+                    <a:lstStyle/>
+                    <a:p>
+                      <a:pPr algn="ctr"/>
+                      <a:r>
+                        <a:rPr lang="en-US" b="0" dirty="0">
+                          <a:latin typeface="Times New Roman" panose="02020603050405020304" pitchFamily="18" charset="0"/>
+                          <a:cs typeface="Times New Roman" panose="02020603050405020304" pitchFamily="18" charset="0"/>
+                        </a:rPr>
+                        <a:t>Classified </a:t>
+                      </a:r>
+                    </a:p>
+                    <a:p>
+                      <a:pPr algn="ctr"/>
+                      <a:r>
+                        <a:rPr lang="en-US" b="0" dirty="0">
+                          <a:latin typeface="Times New Roman" panose="02020603050405020304" pitchFamily="18" charset="0"/>
+                          <a:cs typeface="Times New Roman" panose="02020603050405020304" pitchFamily="18" charset="0"/>
+                        </a:rPr>
+                        <a:t>as Obj 1  </a:t>
+                      </a:r>
+                    </a:p>
+                  </a:txBody>
+                  <a:tcPr/>
+                </a:tc>
+                <a:tc>
+                  <a:txBody>
+                    <a:bodyPr/>
+                    <a:lstStyle/>
+                    <a:p>
+                      <a:pPr marL="0" marR="0" lvl="0" indent="0" algn="ctr" defTabSz="914400" rtl="0" eaLnBrk="1" fontAlgn="auto" latinLnBrk="0" hangingPunct="1">
+                        <a:lnSpc>
+                          <a:spcPct val="100000"/>
+                        </a:lnSpc>
+                        <a:spcBef>
+                          <a:spcPts val="0"/>
+                        </a:spcBef>
+                        <a:spcAft>
+                          <a:spcPts val="0"/>
+                        </a:spcAft>
+                        <a:buClrTx/>
+                        <a:buSzTx/>
+                        <a:buFontTx/>
+                        <a:buNone/>
+                        <a:tabLst/>
+                        <a:defRPr/>
+                      </a:pPr>
+                      <a:r>
+                        <a:rPr lang="en-US" b="0" dirty="0">
+                          <a:latin typeface="Times New Roman" panose="02020603050405020304" pitchFamily="18" charset="0"/>
+                          <a:cs typeface="Times New Roman" panose="02020603050405020304" pitchFamily="18" charset="0"/>
+                        </a:rPr>
+                        <a:t>Classified </a:t>
+                      </a:r>
+                    </a:p>
+                    <a:p>
+                      <a:pPr marL="0" marR="0" lvl="0" indent="0" algn="ctr" defTabSz="914400" rtl="0" eaLnBrk="1" fontAlgn="auto" latinLnBrk="0" hangingPunct="1">
+                        <a:lnSpc>
+                          <a:spcPct val="100000"/>
+                        </a:lnSpc>
+                        <a:spcBef>
+                          <a:spcPts val="0"/>
+                        </a:spcBef>
+                        <a:spcAft>
+                          <a:spcPts val="0"/>
+                        </a:spcAft>
+                        <a:buClrTx/>
+                        <a:buSzTx/>
+                        <a:buFontTx/>
+                        <a:buNone/>
+                        <a:tabLst/>
+                        <a:defRPr/>
+                      </a:pPr>
+                      <a:r>
+                        <a:rPr lang="en-US" b="0" dirty="0">
+                          <a:latin typeface="Times New Roman" panose="02020603050405020304" pitchFamily="18" charset="0"/>
+                          <a:cs typeface="Times New Roman" panose="02020603050405020304" pitchFamily="18" charset="0"/>
+                        </a:rPr>
+                        <a:t>as Obj 2 </a:t>
+                      </a:r>
+                    </a:p>
+                  </a:txBody>
+                  <a:tcPr/>
+                </a:tc>
+                <a:tc>
+                  <a:txBody>
+                    <a:bodyPr/>
+                    <a:lstStyle/>
+                    <a:p>
+                      <a:pPr marL="0" marR="0" lvl="0" indent="0" algn="ctr" defTabSz="914400" rtl="0" eaLnBrk="1" fontAlgn="auto" latinLnBrk="0" hangingPunct="1">
+                        <a:lnSpc>
+                          <a:spcPct val="100000"/>
+                        </a:lnSpc>
+                        <a:spcBef>
+                          <a:spcPts val="0"/>
+                        </a:spcBef>
+                        <a:spcAft>
+                          <a:spcPts val="0"/>
+                        </a:spcAft>
+                        <a:buClrTx/>
+                        <a:buSzTx/>
+                        <a:buFontTx/>
+                        <a:buNone/>
+                        <a:tabLst/>
+                        <a:defRPr/>
+                      </a:pPr>
+                      <a:r>
+                        <a:rPr lang="en-US" b="0" dirty="0">
+                          <a:latin typeface="Times New Roman" panose="02020603050405020304" pitchFamily="18" charset="0"/>
+                          <a:cs typeface="Times New Roman" panose="02020603050405020304" pitchFamily="18" charset="0"/>
+                        </a:rPr>
+                        <a:t>Classified </a:t>
+                      </a:r>
+                    </a:p>
+                    <a:p>
+                      <a:pPr marL="0" marR="0" lvl="0" indent="0" algn="ctr" defTabSz="914400" rtl="0" eaLnBrk="1" fontAlgn="auto" latinLnBrk="0" hangingPunct="1">
+                        <a:lnSpc>
+                          <a:spcPct val="100000"/>
+                        </a:lnSpc>
+                        <a:spcBef>
+                          <a:spcPts val="0"/>
+                        </a:spcBef>
+                        <a:spcAft>
+                          <a:spcPts val="0"/>
+                        </a:spcAft>
+                        <a:buClrTx/>
+                        <a:buSzTx/>
+                        <a:buFontTx/>
+                        <a:buNone/>
+                        <a:tabLst/>
+                        <a:defRPr/>
+                      </a:pPr>
+                      <a:r>
+                        <a:rPr lang="en-US" b="0" dirty="0">
+                          <a:latin typeface="Times New Roman" panose="02020603050405020304" pitchFamily="18" charset="0"/>
+                          <a:cs typeface="Times New Roman" panose="02020603050405020304" pitchFamily="18" charset="0"/>
+                        </a:rPr>
+                        <a:t>as Obj 3  </a:t>
+                      </a:r>
+                    </a:p>
+                  </a:txBody>
+                  <a:tcPr/>
+                </a:tc>
+                <a:extLst>
+                  <a:ext uri="{0D108BD9-81ED-4DB2-BD59-A6C34878D82A}">
+                    <a16:rowId xmlns:a16="http://schemas.microsoft.com/office/drawing/2014/main" val="4106385171"/>
+                  </a:ext>
+                </a:extLst>
+              </a:tr>
+              <a:tr h="369039">
+                <a:tc>
+                  <a:txBody>
+                    <a:bodyPr/>
+                    <a:lstStyle/>
+                    <a:p>
+                      <a:pPr algn="l"/>
+                      <a:r>
+                        <a:rPr lang="en-US" b="0" dirty="0">
+                          <a:latin typeface="Times New Roman" panose="02020603050405020304" pitchFamily="18" charset="0"/>
+                          <a:cs typeface="Times New Roman" panose="02020603050405020304" pitchFamily="18" charset="0"/>
+                        </a:rPr>
+                        <a:t>T1</a:t>
+                      </a:r>
+                    </a:p>
+                  </a:txBody>
+                  <a:tcPr/>
+                </a:tc>
+                <a:tc>
+                  <a:txBody>
+                    <a:bodyPr/>
+                    <a:lstStyle/>
+                    <a:p>
+                      <a:pPr algn="ctr"/>
+                      <a:r>
+                        <a:rPr lang="en-US" b="0">
+                          <a:latin typeface="Times New Roman" panose="02020603050405020304" pitchFamily="18" charset="0"/>
+                          <a:cs typeface="Times New Roman" panose="02020603050405020304" pitchFamily="18" charset="0"/>
+                        </a:rPr>
+                        <a:t>100</a:t>
+                      </a:r>
+                      <a:endParaRPr lang="en-US" b="0" dirty="0">
+                        <a:latin typeface="Times New Roman" panose="02020603050405020304" pitchFamily="18" charset="0"/>
+                        <a:cs typeface="Times New Roman" panose="02020603050405020304" pitchFamily="18" charset="0"/>
+                      </a:endParaRPr>
+                    </a:p>
+                  </a:txBody>
+                  <a:tcPr/>
+                </a:tc>
+                <a:tc>
+                  <a:txBody>
+                    <a:bodyPr/>
+                    <a:lstStyle/>
+                    <a:p>
+                      <a:pPr algn="ctr"/>
+                      <a:r>
+                        <a:rPr lang="en-US" b="0" dirty="0">
+                          <a:latin typeface="Times New Roman" panose="02020603050405020304" pitchFamily="18" charset="0"/>
+                          <a:cs typeface="Times New Roman" panose="02020603050405020304" pitchFamily="18" charset="0"/>
+                        </a:rPr>
+                        <a:t>0</a:t>
+                      </a:r>
+                    </a:p>
+                  </a:txBody>
+                  <a:tcPr/>
+                </a:tc>
+                <a:tc>
+                  <a:txBody>
+                    <a:bodyPr/>
+                    <a:lstStyle/>
+                    <a:p>
+                      <a:pPr algn="ctr"/>
+                      <a:r>
+                        <a:rPr lang="en-US" b="0" dirty="0">
+                          <a:latin typeface="Times New Roman" panose="02020603050405020304" pitchFamily="18" charset="0"/>
+                          <a:cs typeface="Times New Roman" panose="02020603050405020304" pitchFamily="18" charset="0"/>
+                        </a:rPr>
+                        <a:t>0</a:t>
+                      </a:r>
+                    </a:p>
+                  </a:txBody>
+                  <a:tcPr/>
+                </a:tc>
+                <a:extLst>
+                  <a:ext uri="{0D108BD9-81ED-4DB2-BD59-A6C34878D82A}">
+                    <a16:rowId xmlns:a16="http://schemas.microsoft.com/office/drawing/2014/main" val="1136935708"/>
+                  </a:ext>
+                </a:extLst>
+              </a:tr>
+              <a:tr h="369039">
+                <a:tc>
+                  <a:txBody>
+                    <a:bodyPr/>
+                    <a:lstStyle/>
+                    <a:p>
+                      <a:pPr algn="l"/>
+                      <a:r>
+                        <a:rPr lang="en-US" b="0">
+                          <a:latin typeface="Times New Roman" panose="02020603050405020304" pitchFamily="18" charset="0"/>
+                          <a:cs typeface="Times New Roman" panose="02020603050405020304" pitchFamily="18" charset="0"/>
+                        </a:rPr>
+                        <a:t>T2</a:t>
+                      </a:r>
+                      <a:endParaRPr lang="en-US" b="0" dirty="0">
+                        <a:latin typeface="Times New Roman" panose="02020603050405020304" pitchFamily="18" charset="0"/>
+                        <a:cs typeface="Times New Roman" panose="02020603050405020304" pitchFamily="18" charset="0"/>
+                      </a:endParaRPr>
+                    </a:p>
+                  </a:txBody>
+                  <a:tcPr/>
+                </a:tc>
+                <a:tc>
+                  <a:txBody>
+                    <a:bodyPr/>
+                    <a:lstStyle/>
+                    <a:p>
+                      <a:pPr algn="ctr"/>
+                      <a:r>
+                        <a:rPr lang="en-US" b="0">
+                          <a:latin typeface="Times New Roman" panose="02020603050405020304" pitchFamily="18" charset="0"/>
+                          <a:cs typeface="Times New Roman" panose="02020603050405020304" pitchFamily="18" charset="0"/>
+                        </a:rPr>
+                        <a:t>100</a:t>
+                      </a:r>
+                      <a:endParaRPr lang="en-US" b="0" dirty="0">
+                        <a:latin typeface="Times New Roman" panose="02020603050405020304" pitchFamily="18" charset="0"/>
+                        <a:cs typeface="Times New Roman" panose="02020603050405020304" pitchFamily="18" charset="0"/>
+                      </a:endParaRPr>
+                    </a:p>
+                  </a:txBody>
+                  <a:tcPr/>
+                </a:tc>
+                <a:tc>
+                  <a:txBody>
+                    <a:bodyPr/>
+                    <a:lstStyle/>
+                    <a:p>
+                      <a:pPr algn="ctr"/>
+                      <a:r>
+                        <a:rPr lang="en-US" b="0" dirty="0">
+                          <a:latin typeface="Times New Roman" panose="02020603050405020304" pitchFamily="18" charset="0"/>
+                          <a:cs typeface="Times New Roman" panose="02020603050405020304" pitchFamily="18" charset="0"/>
+                        </a:rPr>
+                        <a:t>0</a:t>
+                      </a:r>
+                    </a:p>
+                  </a:txBody>
+                  <a:tcPr/>
+                </a:tc>
+                <a:tc>
+                  <a:txBody>
+                    <a:bodyPr/>
+                    <a:lstStyle/>
+                    <a:p>
+                      <a:pPr algn="ctr"/>
+                      <a:r>
+                        <a:rPr lang="en-US" b="0" dirty="0">
+                          <a:latin typeface="Times New Roman" panose="02020603050405020304" pitchFamily="18" charset="0"/>
+                          <a:cs typeface="Times New Roman" panose="02020603050405020304" pitchFamily="18" charset="0"/>
+                        </a:rPr>
+                        <a:t>0</a:t>
+                      </a:r>
+                    </a:p>
+                  </a:txBody>
+                  <a:tcPr/>
+                </a:tc>
+                <a:extLst>
+                  <a:ext uri="{0D108BD9-81ED-4DB2-BD59-A6C34878D82A}">
+                    <a16:rowId xmlns:a16="http://schemas.microsoft.com/office/drawing/2014/main" val="313513368"/>
+                  </a:ext>
+                </a:extLst>
+              </a:tr>
+              <a:tr h="369039">
+                <a:tc>
+                  <a:txBody>
+                    <a:bodyPr/>
+                    <a:lstStyle/>
+                    <a:p>
+                      <a:pPr algn="l"/>
+                      <a:r>
+                        <a:rPr lang="en-US" b="0">
+                          <a:latin typeface="Times New Roman" panose="02020603050405020304" pitchFamily="18" charset="0"/>
+                          <a:cs typeface="Times New Roman" panose="02020603050405020304" pitchFamily="18" charset="0"/>
+                        </a:rPr>
+                        <a:t>T3</a:t>
+                      </a:r>
+                      <a:endParaRPr lang="en-US" b="0" dirty="0">
+                        <a:latin typeface="Times New Roman" panose="02020603050405020304" pitchFamily="18" charset="0"/>
+                        <a:cs typeface="Times New Roman" panose="02020603050405020304" pitchFamily="18" charset="0"/>
+                      </a:endParaRPr>
+                    </a:p>
+                  </a:txBody>
+                  <a:tcPr/>
+                </a:tc>
+                <a:tc>
+                  <a:txBody>
+                    <a:bodyPr/>
+                    <a:lstStyle/>
+                    <a:p>
+                      <a:pPr algn="ctr"/>
+                      <a:r>
+                        <a:rPr lang="en-US" b="0" dirty="0">
+                          <a:latin typeface="Times New Roman" panose="02020603050405020304" pitchFamily="18" charset="0"/>
+                          <a:cs typeface="Times New Roman" panose="02020603050405020304" pitchFamily="18" charset="0"/>
+                        </a:rPr>
+                        <a:t>84</a:t>
+                      </a:r>
+                    </a:p>
+                  </a:txBody>
+                  <a:tcPr/>
+                </a:tc>
+                <a:tc>
+                  <a:txBody>
+                    <a:bodyPr/>
+                    <a:lstStyle/>
+                    <a:p>
+                      <a:pPr algn="ctr"/>
+                      <a:r>
+                        <a:rPr lang="en-US" b="0" dirty="0">
+                          <a:latin typeface="Times New Roman" panose="02020603050405020304" pitchFamily="18" charset="0"/>
+                          <a:cs typeface="Times New Roman" panose="02020603050405020304" pitchFamily="18" charset="0"/>
+                        </a:rPr>
+                        <a:t>16</a:t>
+                      </a:r>
+                    </a:p>
+                  </a:txBody>
+                  <a:tcPr/>
+                </a:tc>
+                <a:tc>
+                  <a:txBody>
+                    <a:bodyPr/>
+                    <a:lstStyle/>
+                    <a:p>
+                      <a:pPr algn="ctr"/>
+                      <a:r>
+                        <a:rPr lang="en-US" b="0" dirty="0">
+                          <a:latin typeface="Times New Roman" panose="02020603050405020304" pitchFamily="18" charset="0"/>
+                          <a:cs typeface="Times New Roman" panose="02020603050405020304" pitchFamily="18" charset="0"/>
+                        </a:rPr>
+                        <a:t>0</a:t>
+                      </a:r>
+                    </a:p>
+                  </a:txBody>
+                  <a:tcPr/>
+                </a:tc>
+                <a:extLst>
+                  <a:ext uri="{0D108BD9-81ED-4DB2-BD59-A6C34878D82A}">
+                    <a16:rowId xmlns:a16="http://schemas.microsoft.com/office/drawing/2014/main" val="4236926611"/>
+                  </a:ext>
+                </a:extLst>
+              </a:tr>
+              <a:tr h="369039">
+                <a:tc>
+                  <a:txBody>
+                    <a:bodyPr/>
+                    <a:lstStyle/>
+                    <a:p>
+                      <a:pPr algn="l"/>
+                      <a:r>
+                        <a:rPr lang="en-US" b="0">
+                          <a:latin typeface="Times New Roman" panose="02020603050405020304" pitchFamily="18" charset="0"/>
+                          <a:cs typeface="Times New Roman" panose="02020603050405020304" pitchFamily="18" charset="0"/>
+                        </a:rPr>
+                        <a:t>T4</a:t>
+                      </a:r>
+                      <a:endParaRPr lang="en-US" b="0" dirty="0">
+                        <a:latin typeface="Times New Roman" panose="02020603050405020304" pitchFamily="18" charset="0"/>
+                        <a:cs typeface="Times New Roman" panose="02020603050405020304" pitchFamily="18" charset="0"/>
+                      </a:endParaRPr>
+                    </a:p>
+                  </a:txBody>
+                  <a:tcPr/>
+                </a:tc>
+                <a:tc>
+                  <a:txBody>
+                    <a:bodyPr/>
+                    <a:lstStyle/>
+                    <a:p>
+                      <a:pPr algn="ctr"/>
+                      <a:r>
+                        <a:rPr lang="en-US" b="0" dirty="0">
+                          <a:latin typeface="Times New Roman" panose="02020603050405020304" pitchFamily="18" charset="0"/>
+                          <a:cs typeface="Times New Roman" panose="02020603050405020304" pitchFamily="18" charset="0"/>
+                        </a:rPr>
+                        <a:t>88</a:t>
+                      </a:r>
+                    </a:p>
+                  </a:txBody>
+                  <a:tcPr/>
+                </a:tc>
+                <a:tc>
+                  <a:txBody>
+                    <a:bodyPr/>
+                    <a:lstStyle/>
+                    <a:p>
+                      <a:pPr algn="ctr"/>
+                      <a:r>
+                        <a:rPr lang="en-US" b="0" dirty="0">
+                          <a:latin typeface="Times New Roman" panose="02020603050405020304" pitchFamily="18" charset="0"/>
+                          <a:cs typeface="Times New Roman" panose="02020603050405020304" pitchFamily="18" charset="0"/>
+                        </a:rPr>
+                        <a:t>12</a:t>
+                      </a:r>
+                    </a:p>
+                  </a:txBody>
+                  <a:tcPr/>
+                </a:tc>
+                <a:tc>
+                  <a:txBody>
+                    <a:bodyPr/>
+                    <a:lstStyle/>
+                    <a:p>
+                      <a:pPr algn="ctr"/>
+                      <a:r>
+                        <a:rPr lang="en-US" b="0" dirty="0">
+                          <a:latin typeface="Times New Roman" panose="02020603050405020304" pitchFamily="18" charset="0"/>
+                          <a:cs typeface="Times New Roman" panose="02020603050405020304" pitchFamily="18" charset="0"/>
+                        </a:rPr>
+                        <a:t>0</a:t>
+                      </a:r>
+                    </a:p>
+                  </a:txBody>
+                  <a:tcPr/>
+                </a:tc>
+                <a:extLst>
+                  <a:ext uri="{0D108BD9-81ED-4DB2-BD59-A6C34878D82A}">
+                    <a16:rowId xmlns:a16="http://schemas.microsoft.com/office/drawing/2014/main" val="3274794052"/>
+                  </a:ext>
+                </a:extLst>
+              </a:tr>
+              <a:tr h="369039">
+                <a:tc>
+                  <a:txBody>
+                    <a:bodyPr/>
+                    <a:lstStyle/>
+                    <a:p>
+                      <a:pPr algn="l"/>
+                      <a:r>
+                        <a:rPr lang="en-US" b="0">
+                          <a:latin typeface="Times New Roman" panose="02020603050405020304" pitchFamily="18" charset="0"/>
+                          <a:cs typeface="Times New Roman" panose="02020603050405020304" pitchFamily="18" charset="0"/>
+                        </a:rPr>
+                        <a:t>T5</a:t>
+                      </a:r>
+                      <a:endParaRPr lang="en-US" b="0" dirty="0">
+                        <a:latin typeface="Times New Roman" panose="02020603050405020304" pitchFamily="18" charset="0"/>
+                        <a:cs typeface="Times New Roman" panose="02020603050405020304" pitchFamily="18" charset="0"/>
+                      </a:endParaRPr>
+                    </a:p>
+                  </a:txBody>
+                  <a:tcPr/>
+                </a:tc>
+                <a:tc>
+                  <a:txBody>
+                    <a:bodyPr/>
+                    <a:lstStyle/>
+                    <a:p>
+                      <a:pPr algn="ctr"/>
+                      <a:r>
+                        <a:rPr lang="en-US" b="0" dirty="0">
+                          <a:latin typeface="Times New Roman" panose="02020603050405020304" pitchFamily="18" charset="0"/>
+                          <a:cs typeface="Times New Roman" panose="02020603050405020304" pitchFamily="18" charset="0"/>
+                        </a:rPr>
+                        <a:t>88</a:t>
+                      </a:r>
+                    </a:p>
+                  </a:txBody>
+                  <a:tcPr/>
+                </a:tc>
+                <a:tc>
+                  <a:txBody>
+                    <a:bodyPr/>
+                    <a:lstStyle/>
+                    <a:p>
+                      <a:pPr algn="ctr"/>
+                      <a:r>
+                        <a:rPr lang="en-US" b="0" dirty="0">
+                          <a:latin typeface="Times New Roman" panose="02020603050405020304" pitchFamily="18" charset="0"/>
+                          <a:cs typeface="Times New Roman" panose="02020603050405020304" pitchFamily="18" charset="0"/>
+                        </a:rPr>
+                        <a:t>12</a:t>
+                      </a:r>
+                    </a:p>
+                  </a:txBody>
+                  <a:tcPr/>
+                </a:tc>
+                <a:tc>
+                  <a:txBody>
+                    <a:bodyPr/>
+                    <a:lstStyle/>
+                    <a:p>
+                      <a:pPr algn="ctr"/>
+                      <a:r>
+                        <a:rPr lang="en-US" b="0" dirty="0">
+                          <a:latin typeface="Times New Roman" panose="02020603050405020304" pitchFamily="18" charset="0"/>
+                          <a:cs typeface="Times New Roman" panose="02020603050405020304" pitchFamily="18" charset="0"/>
+                        </a:rPr>
+                        <a:t>0</a:t>
+                      </a:r>
+                    </a:p>
+                  </a:txBody>
+                  <a:tcPr/>
+                </a:tc>
+                <a:extLst>
+                  <a:ext uri="{0D108BD9-81ED-4DB2-BD59-A6C34878D82A}">
+                    <a16:rowId xmlns:a16="http://schemas.microsoft.com/office/drawing/2014/main" val="3730789768"/>
+                  </a:ext>
+                </a:extLst>
+              </a:tr>
+              <a:tr h="369039">
+                <a:tc>
+                  <a:txBody>
+                    <a:bodyPr/>
+                    <a:lstStyle/>
+                    <a:p>
+                      <a:pPr algn="l"/>
+                      <a:r>
+                        <a:rPr lang="en-US" b="0">
+                          <a:latin typeface="Times New Roman" panose="02020603050405020304" pitchFamily="18" charset="0"/>
+                          <a:cs typeface="Times New Roman" panose="02020603050405020304" pitchFamily="18" charset="0"/>
+                        </a:rPr>
+                        <a:t>T6</a:t>
+                      </a:r>
+                      <a:endParaRPr lang="en-US" b="0" dirty="0">
+                        <a:latin typeface="Times New Roman" panose="02020603050405020304" pitchFamily="18" charset="0"/>
+                        <a:cs typeface="Times New Roman" panose="02020603050405020304" pitchFamily="18" charset="0"/>
+                      </a:endParaRPr>
+                    </a:p>
+                  </a:txBody>
+                  <a:tcPr/>
+                </a:tc>
+                <a:tc>
+                  <a:txBody>
+                    <a:bodyPr/>
+                    <a:lstStyle/>
+                    <a:p>
+                      <a:pPr algn="ctr"/>
+                      <a:r>
+                        <a:rPr lang="en-US" b="0" dirty="0">
+                          <a:latin typeface="Times New Roman" panose="02020603050405020304" pitchFamily="18" charset="0"/>
+                          <a:cs typeface="Times New Roman" panose="02020603050405020304" pitchFamily="18" charset="0"/>
+                        </a:rPr>
+                        <a:t>12</a:t>
+                      </a:r>
+                    </a:p>
+                  </a:txBody>
+                  <a:tcPr/>
+                </a:tc>
+                <a:tc>
+                  <a:txBody>
+                    <a:bodyPr/>
+                    <a:lstStyle/>
+                    <a:p>
+                      <a:pPr algn="ctr"/>
+                      <a:r>
+                        <a:rPr lang="en-US" b="0" dirty="0">
+                          <a:latin typeface="Times New Roman" panose="02020603050405020304" pitchFamily="18" charset="0"/>
+                          <a:cs typeface="Times New Roman" panose="02020603050405020304" pitchFamily="18" charset="0"/>
+                        </a:rPr>
+                        <a:t>0</a:t>
+                      </a:r>
+                    </a:p>
+                  </a:txBody>
+                  <a:tcPr/>
+                </a:tc>
+                <a:tc>
+                  <a:txBody>
+                    <a:bodyPr/>
+                    <a:lstStyle/>
+                    <a:p>
+                      <a:pPr algn="ctr"/>
+                      <a:r>
+                        <a:rPr lang="en-US" b="0" dirty="0">
+                          <a:latin typeface="Times New Roman" panose="02020603050405020304" pitchFamily="18" charset="0"/>
+                          <a:cs typeface="Times New Roman" panose="02020603050405020304" pitchFamily="18" charset="0"/>
+                        </a:rPr>
+                        <a:t>88</a:t>
+                      </a:r>
+                    </a:p>
+                  </a:txBody>
+                  <a:tcPr/>
+                </a:tc>
+                <a:extLst>
+                  <a:ext uri="{0D108BD9-81ED-4DB2-BD59-A6C34878D82A}">
+                    <a16:rowId xmlns:a16="http://schemas.microsoft.com/office/drawing/2014/main" val="1251216352"/>
+                  </a:ext>
+                </a:extLst>
+              </a:tr>
+              <a:tr h="369039">
+                <a:tc>
+                  <a:txBody>
+                    <a:bodyPr/>
+                    <a:lstStyle/>
+                    <a:p>
+                      <a:pPr algn="l"/>
+                      <a:r>
+                        <a:rPr lang="en-US" b="0">
+                          <a:latin typeface="Times New Roman" panose="02020603050405020304" pitchFamily="18" charset="0"/>
+                          <a:cs typeface="Times New Roman" panose="02020603050405020304" pitchFamily="18" charset="0"/>
+                        </a:rPr>
+                        <a:t>T7</a:t>
+                      </a:r>
+                      <a:endParaRPr lang="en-US" b="0" dirty="0">
+                        <a:latin typeface="Times New Roman" panose="02020603050405020304" pitchFamily="18" charset="0"/>
+                        <a:cs typeface="Times New Roman" panose="02020603050405020304" pitchFamily="18" charset="0"/>
+                      </a:endParaRPr>
+                    </a:p>
+                  </a:txBody>
+                  <a:tcPr/>
+                </a:tc>
+                <a:tc>
+                  <a:txBody>
+                    <a:bodyPr/>
+                    <a:lstStyle/>
+                    <a:p>
+                      <a:pPr algn="ctr"/>
+                      <a:r>
+                        <a:rPr lang="en-US" b="0" dirty="0">
+                          <a:latin typeface="Times New Roman" panose="02020603050405020304" pitchFamily="18" charset="0"/>
+                          <a:cs typeface="Times New Roman" panose="02020603050405020304" pitchFamily="18" charset="0"/>
+                        </a:rPr>
+                        <a:t>70</a:t>
+                      </a:r>
+                    </a:p>
+                  </a:txBody>
+                  <a:tcPr/>
+                </a:tc>
+                <a:tc>
+                  <a:txBody>
+                    <a:bodyPr/>
+                    <a:lstStyle/>
+                    <a:p>
+                      <a:pPr algn="ctr"/>
+                      <a:r>
+                        <a:rPr lang="en-US" b="0" dirty="0">
+                          <a:latin typeface="Times New Roman" panose="02020603050405020304" pitchFamily="18" charset="0"/>
+                          <a:cs typeface="Times New Roman" panose="02020603050405020304" pitchFamily="18" charset="0"/>
+                        </a:rPr>
+                        <a:t>0</a:t>
+                      </a:r>
+                    </a:p>
+                  </a:txBody>
+                  <a:tcPr/>
+                </a:tc>
+                <a:tc>
+                  <a:txBody>
+                    <a:bodyPr/>
+                    <a:lstStyle/>
+                    <a:p>
+                      <a:pPr algn="ctr"/>
+                      <a:r>
+                        <a:rPr lang="en-US" b="0" dirty="0">
+                          <a:latin typeface="Times New Roman" panose="02020603050405020304" pitchFamily="18" charset="0"/>
+                          <a:cs typeface="Times New Roman" panose="02020603050405020304" pitchFamily="18" charset="0"/>
+                        </a:rPr>
+                        <a:t>30</a:t>
+                      </a:r>
+                    </a:p>
+                  </a:txBody>
+                  <a:tcPr/>
+                </a:tc>
+                <a:extLst>
+                  <a:ext uri="{0D108BD9-81ED-4DB2-BD59-A6C34878D82A}">
+                    <a16:rowId xmlns:a16="http://schemas.microsoft.com/office/drawing/2014/main" val="4095127486"/>
+                  </a:ext>
+                </a:extLst>
+              </a:tr>
+              <a:tr h="369039">
+                <a:tc>
+                  <a:txBody>
+                    <a:bodyPr/>
+                    <a:lstStyle/>
+                    <a:p>
+                      <a:pPr algn="l"/>
+                      <a:r>
+                        <a:rPr lang="en-US" b="0">
+                          <a:latin typeface="Times New Roman" panose="02020603050405020304" pitchFamily="18" charset="0"/>
+                          <a:cs typeface="Times New Roman" panose="02020603050405020304" pitchFamily="18" charset="0"/>
+                        </a:rPr>
+                        <a:t>T8</a:t>
+                      </a:r>
+                      <a:endParaRPr lang="en-US" b="0" dirty="0">
+                        <a:latin typeface="Times New Roman" panose="02020603050405020304" pitchFamily="18" charset="0"/>
+                        <a:cs typeface="Times New Roman" panose="02020603050405020304" pitchFamily="18" charset="0"/>
+                      </a:endParaRPr>
+                    </a:p>
+                  </a:txBody>
+                  <a:tcPr/>
+                </a:tc>
+                <a:tc>
+                  <a:txBody>
+                    <a:bodyPr/>
+                    <a:lstStyle/>
+                    <a:p>
+                      <a:pPr algn="ctr"/>
+                      <a:r>
+                        <a:rPr lang="en-US" b="0" dirty="0">
+                          <a:latin typeface="Times New Roman" panose="02020603050405020304" pitchFamily="18" charset="0"/>
+                          <a:cs typeface="Times New Roman" panose="02020603050405020304" pitchFamily="18" charset="0"/>
+                        </a:rPr>
+                        <a:t>60</a:t>
+                      </a:r>
+                    </a:p>
+                  </a:txBody>
+                  <a:tcPr/>
+                </a:tc>
+                <a:tc>
+                  <a:txBody>
+                    <a:bodyPr/>
+                    <a:lstStyle/>
+                    <a:p>
+                      <a:pPr algn="ctr"/>
+                      <a:r>
+                        <a:rPr lang="en-US" b="0" dirty="0">
+                          <a:latin typeface="Times New Roman" panose="02020603050405020304" pitchFamily="18" charset="0"/>
+                          <a:cs typeface="Times New Roman" panose="02020603050405020304" pitchFamily="18" charset="0"/>
+                        </a:rPr>
+                        <a:t>0</a:t>
+                      </a:r>
+                    </a:p>
+                  </a:txBody>
+                  <a:tcPr/>
+                </a:tc>
+                <a:tc>
+                  <a:txBody>
+                    <a:bodyPr/>
+                    <a:lstStyle/>
+                    <a:p>
+                      <a:pPr algn="ctr"/>
+                      <a:r>
+                        <a:rPr lang="en-US" b="0" dirty="0">
+                          <a:latin typeface="Times New Roman" panose="02020603050405020304" pitchFamily="18" charset="0"/>
+                          <a:cs typeface="Times New Roman" panose="02020603050405020304" pitchFamily="18" charset="0"/>
+                        </a:rPr>
+                        <a:t>40</a:t>
+                      </a:r>
+                    </a:p>
+                  </a:txBody>
+                  <a:tcPr/>
+                </a:tc>
+                <a:extLst>
+                  <a:ext uri="{0D108BD9-81ED-4DB2-BD59-A6C34878D82A}">
+                    <a16:rowId xmlns:a16="http://schemas.microsoft.com/office/drawing/2014/main" val="2178027628"/>
+                  </a:ext>
+                </a:extLst>
+              </a:tr>
+              <a:tr h="369039">
+                <a:tc>
+                  <a:txBody>
+                    <a:bodyPr/>
+                    <a:lstStyle/>
+                    <a:p>
+                      <a:pPr algn="l"/>
+                      <a:r>
+                        <a:rPr lang="en-US" b="0">
+                          <a:latin typeface="Times New Roman" panose="02020603050405020304" pitchFamily="18" charset="0"/>
+                          <a:cs typeface="Times New Roman" panose="02020603050405020304" pitchFamily="18" charset="0"/>
+                        </a:rPr>
+                        <a:t>T9</a:t>
+                      </a:r>
+                      <a:endParaRPr lang="en-US" b="0" dirty="0">
+                        <a:latin typeface="Times New Roman" panose="02020603050405020304" pitchFamily="18" charset="0"/>
+                        <a:cs typeface="Times New Roman" panose="02020603050405020304" pitchFamily="18" charset="0"/>
+                      </a:endParaRPr>
+                    </a:p>
+                  </a:txBody>
+                  <a:tcPr/>
+                </a:tc>
+                <a:tc>
+                  <a:txBody>
+                    <a:bodyPr/>
+                    <a:lstStyle/>
+                    <a:p>
+                      <a:pPr algn="ctr"/>
+                      <a:r>
+                        <a:rPr lang="en-US" b="0" dirty="0">
+                          <a:latin typeface="Times New Roman" panose="02020603050405020304" pitchFamily="18" charset="0"/>
+                          <a:cs typeface="Times New Roman" panose="02020603050405020304" pitchFamily="18" charset="0"/>
+                        </a:rPr>
+                        <a:t>64</a:t>
+                      </a:r>
+                    </a:p>
+                  </a:txBody>
+                  <a:tcPr/>
+                </a:tc>
+                <a:tc>
+                  <a:txBody>
+                    <a:bodyPr/>
+                    <a:lstStyle/>
+                    <a:p>
+                      <a:pPr algn="ctr"/>
+                      <a:r>
+                        <a:rPr lang="en-US" b="0" dirty="0">
+                          <a:latin typeface="Times New Roman" panose="02020603050405020304" pitchFamily="18" charset="0"/>
+                          <a:cs typeface="Times New Roman" panose="02020603050405020304" pitchFamily="18" charset="0"/>
+                        </a:rPr>
+                        <a:t>0</a:t>
+                      </a:r>
+                    </a:p>
+                  </a:txBody>
+                  <a:tcPr/>
+                </a:tc>
+                <a:tc>
+                  <a:txBody>
+                    <a:bodyPr/>
+                    <a:lstStyle/>
+                    <a:p>
+                      <a:pPr algn="ctr"/>
+                      <a:r>
+                        <a:rPr lang="en-US" b="0" dirty="0">
+                          <a:latin typeface="Times New Roman" panose="02020603050405020304" pitchFamily="18" charset="0"/>
+                          <a:cs typeface="Times New Roman" panose="02020603050405020304" pitchFamily="18" charset="0"/>
+                        </a:rPr>
+                        <a:t>36</a:t>
+                      </a:r>
+                    </a:p>
+                  </a:txBody>
+                  <a:tcPr/>
+                </a:tc>
+                <a:extLst>
+                  <a:ext uri="{0D108BD9-81ED-4DB2-BD59-A6C34878D82A}">
+                    <a16:rowId xmlns:a16="http://schemas.microsoft.com/office/drawing/2014/main" val="3667269582"/>
+                  </a:ext>
+                </a:extLst>
+              </a:tr>
+              <a:tr h="369039">
+                <a:tc>
+                  <a:txBody>
+                    <a:bodyPr/>
+                    <a:lstStyle/>
+                    <a:p>
+                      <a:pPr algn="l"/>
+                      <a:r>
+                        <a:rPr lang="en-US" b="0">
+                          <a:latin typeface="Times New Roman" panose="02020603050405020304" pitchFamily="18" charset="0"/>
+                          <a:cs typeface="Times New Roman" panose="02020603050405020304" pitchFamily="18" charset="0"/>
+                        </a:rPr>
+                        <a:t>T10</a:t>
+                      </a:r>
+                      <a:endParaRPr lang="en-US" b="0" dirty="0">
+                        <a:latin typeface="Times New Roman" panose="02020603050405020304" pitchFamily="18" charset="0"/>
+                        <a:cs typeface="Times New Roman" panose="02020603050405020304" pitchFamily="18" charset="0"/>
+                      </a:endParaRPr>
+                    </a:p>
+                  </a:txBody>
+                  <a:tcPr/>
+                </a:tc>
+                <a:tc>
+                  <a:txBody>
+                    <a:bodyPr/>
+                    <a:lstStyle/>
+                    <a:p>
+                      <a:pPr algn="ctr"/>
+                      <a:r>
+                        <a:rPr lang="en-US" b="0" dirty="0">
+                          <a:latin typeface="Times New Roman" panose="02020603050405020304" pitchFamily="18" charset="0"/>
+                          <a:cs typeface="Times New Roman" panose="02020603050405020304" pitchFamily="18" charset="0"/>
+                        </a:rPr>
+                        <a:t>80</a:t>
+                      </a:r>
+                    </a:p>
+                  </a:txBody>
+                  <a:tcPr/>
+                </a:tc>
+                <a:tc>
+                  <a:txBody>
+                    <a:bodyPr/>
+                    <a:lstStyle/>
+                    <a:p>
+                      <a:pPr algn="ctr"/>
+                      <a:r>
+                        <a:rPr lang="en-US" b="0" dirty="0">
+                          <a:latin typeface="Times New Roman" panose="02020603050405020304" pitchFamily="18" charset="0"/>
+                          <a:cs typeface="Times New Roman" panose="02020603050405020304" pitchFamily="18" charset="0"/>
+                        </a:rPr>
+                        <a:t>0</a:t>
+                      </a:r>
+                    </a:p>
+                  </a:txBody>
+                  <a:tcPr/>
+                </a:tc>
+                <a:tc>
+                  <a:txBody>
+                    <a:bodyPr/>
+                    <a:lstStyle/>
+                    <a:p>
+                      <a:pPr algn="ctr"/>
+                      <a:r>
+                        <a:rPr lang="en-US" b="0" dirty="0">
+                          <a:latin typeface="Times New Roman" panose="02020603050405020304" pitchFamily="18" charset="0"/>
+                          <a:cs typeface="Times New Roman" panose="02020603050405020304" pitchFamily="18" charset="0"/>
+                        </a:rPr>
+                        <a:t>20</a:t>
+                      </a:r>
+                    </a:p>
+                  </a:txBody>
+                  <a:tcPr/>
+                </a:tc>
+                <a:extLst>
+                  <a:ext uri="{0D108BD9-81ED-4DB2-BD59-A6C34878D82A}">
+                    <a16:rowId xmlns:a16="http://schemas.microsoft.com/office/drawing/2014/main" val="2137233072"/>
+                  </a:ext>
+                </a:extLst>
+              </a:tr>
+              <a:tr h="369039">
+                <a:tc>
+                  <a:txBody>
+                    <a:bodyPr/>
+                    <a:lstStyle/>
+                    <a:p>
+                      <a:pPr algn="l"/>
+                      <a:r>
+                        <a:rPr lang="en-US" b="0">
+                          <a:latin typeface="Times New Roman" panose="02020603050405020304" pitchFamily="18" charset="0"/>
+                          <a:cs typeface="Times New Roman" panose="02020603050405020304" pitchFamily="18" charset="0"/>
+                        </a:rPr>
+                        <a:t>T11</a:t>
+                      </a:r>
+                      <a:endParaRPr lang="en-US" b="0" dirty="0">
+                        <a:latin typeface="Times New Roman" panose="02020603050405020304" pitchFamily="18" charset="0"/>
+                        <a:cs typeface="Times New Roman" panose="02020603050405020304" pitchFamily="18" charset="0"/>
+                      </a:endParaRPr>
+                    </a:p>
+                  </a:txBody>
+                  <a:tcPr/>
+                </a:tc>
+                <a:tc>
+                  <a:txBody>
+                    <a:bodyPr/>
+                    <a:lstStyle/>
+                    <a:p>
+                      <a:pPr algn="ctr"/>
+                      <a:r>
+                        <a:rPr lang="en-US" b="0" dirty="0">
+                          <a:latin typeface="Times New Roman" panose="02020603050405020304" pitchFamily="18" charset="0"/>
+                          <a:cs typeface="Times New Roman" panose="02020603050405020304" pitchFamily="18" charset="0"/>
+                        </a:rPr>
+                        <a:t>82</a:t>
+                      </a:r>
+                    </a:p>
+                  </a:txBody>
+                  <a:tcPr/>
+                </a:tc>
+                <a:tc>
+                  <a:txBody>
+                    <a:bodyPr/>
+                    <a:lstStyle/>
+                    <a:p>
+                      <a:pPr algn="ctr"/>
+                      <a:r>
+                        <a:rPr lang="en-US" b="0" dirty="0">
+                          <a:latin typeface="Times New Roman" panose="02020603050405020304" pitchFamily="18" charset="0"/>
+                          <a:cs typeface="Times New Roman" panose="02020603050405020304" pitchFamily="18" charset="0"/>
+                        </a:rPr>
+                        <a:t>0</a:t>
+                      </a:r>
+                    </a:p>
+                  </a:txBody>
+                  <a:tcPr/>
+                </a:tc>
+                <a:tc>
+                  <a:txBody>
+                    <a:bodyPr/>
+                    <a:lstStyle/>
+                    <a:p>
+                      <a:pPr algn="ctr"/>
+                      <a:r>
+                        <a:rPr lang="en-US" b="0" dirty="0">
+                          <a:latin typeface="Times New Roman" panose="02020603050405020304" pitchFamily="18" charset="0"/>
+                          <a:cs typeface="Times New Roman" panose="02020603050405020304" pitchFamily="18" charset="0"/>
+                        </a:rPr>
+                        <a:t>18</a:t>
+                      </a:r>
+                    </a:p>
+                  </a:txBody>
+                  <a:tcPr/>
+                </a:tc>
+                <a:extLst>
+                  <a:ext uri="{0D108BD9-81ED-4DB2-BD59-A6C34878D82A}">
+                    <a16:rowId xmlns:a16="http://schemas.microsoft.com/office/drawing/2014/main" val="2794636180"/>
+                  </a:ext>
+                </a:extLst>
+              </a:tr>
+              <a:tr h="369039">
+                <a:tc>
+                  <a:txBody>
+                    <a:bodyPr/>
+                    <a:lstStyle/>
+                    <a:p>
+                      <a:pPr algn="l"/>
+                      <a:r>
+                        <a:rPr lang="en-US" b="0">
+                          <a:latin typeface="Times New Roman" panose="02020603050405020304" pitchFamily="18" charset="0"/>
+                          <a:cs typeface="Times New Roman" panose="02020603050405020304" pitchFamily="18" charset="0"/>
+                        </a:rPr>
+                        <a:t>T12</a:t>
+                      </a:r>
+                      <a:endParaRPr lang="en-US" b="0" dirty="0">
+                        <a:latin typeface="Times New Roman" panose="02020603050405020304" pitchFamily="18" charset="0"/>
+                        <a:cs typeface="Times New Roman" panose="02020603050405020304" pitchFamily="18" charset="0"/>
+                      </a:endParaRPr>
+                    </a:p>
+                  </a:txBody>
+                  <a:tcPr/>
+                </a:tc>
+                <a:tc>
+                  <a:txBody>
+                    <a:bodyPr/>
+                    <a:lstStyle/>
+                    <a:p>
+                      <a:pPr algn="ctr"/>
+                      <a:r>
+                        <a:rPr lang="en-US" b="0" dirty="0">
+                          <a:latin typeface="Times New Roman" panose="02020603050405020304" pitchFamily="18" charset="0"/>
+                          <a:cs typeface="Times New Roman" panose="02020603050405020304" pitchFamily="18" charset="0"/>
+                        </a:rPr>
+                        <a:t>0</a:t>
+                      </a:r>
+                    </a:p>
+                  </a:txBody>
+                  <a:tcPr/>
+                </a:tc>
+                <a:tc>
+                  <a:txBody>
+                    <a:bodyPr/>
+                    <a:lstStyle/>
+                    <a:p>
+                      <a:pPr algn="ctr"/>
+                      <a:r>
+                        <a:rPr lang="en-US" b="0" dirty="0">
+                          <a:latin typeface="Times New Roman" panose="02020603050405020304" pitchFamily="18" charset="0"/>
+                          <a:cs typeface="Times New Roman" panose="02020603050405020304" pitchFamily="18" charset="0"/>
+                        </a:rPr>
+                        <a:t>100</a:t>
+                      </a:r>
+                    </a:p>
+                  </a:txBody>
+                  <a:tcPr/>
+                </a:tc>
+                <a:tc>
+                  <a:txBody>
+                    <a:bodyPr/>
+                    <a:lstStyle/>
+                    <a:p>
+                      <a:pPr algn="ctr"/>
+                      <a:r>
+                        <a:rPr lang="en-US" b="0" dirty="0">
+                          <a:latin typeface="Times New Roman" panose="02020603050405020304" pitchFamily="18" charset="0"/>
+                          <a:cs typeface="Times New Roman" panose="02020603050405020304" pitchFamily="18" charset="0"/>
+                        </a:rPr>
+                        <a:t>0</a:t>
+                      </a:r>
+                    </a:p>
+                  </a:txBody>
+                  <a:tcPr/>
+                </a:tc>
+                <a:extLst>
+                  <a:ext uri="{0D108BD9-81ED-4DB2-BD59-A6C34878D82A}">
+                    <a16:rowId xmlns:a16="http://schemas.microsoft.com/office/drawing/2014/main" val="4130347233"/>
+                  </a:ext>
+                </a:extLst>
+              </a:tr>
+            </a:tbl>
+          </a:graphicData>
+        </a:graphic>
+      </p:graphicFrame>
+      <p:sp>
+        <p:nvSpPr>
+          <p:cNvPr id="17" name="TextBox 16">
+            <a:extLst>
+              <a:ext uri="{FF2B5EF4-FFF2-40B4-BE49-F238E27FC236}">
+                <a16:creationId xmlns:a16="http://schemas.microsoft.com/office/drawing/2014/main" id="{B3CC6AB7-FAE7-4A3A-9495-776CC4D01C9C}"/>
+              </a:ext>
+            </a:extLst>
+          </p:cNvPr>
+          <p:cNvSpPr txBox="1"/>
+          <p:nvPr/>
+        </p:nvSpPr>
+        <p:spPr>
+          <a:xfrm>
+            <a:off x="6218057" y="607642"/>
+            <a:ext cx="5698610" cy="430887"/>
+          </a:xfrm>
+          <a:prstGeom prst="rect">
+            <a:avLst/>
+          </a:prstGeom>
+          <a:noFill/>
+        </p:spPr>
+        <p:txBody>
+          <a:bodyPr wrap="square" rtlCol="0">
+            <a:spAutoFit/>
+          </a:bodyPr>
+          <a:lstStyle/>
+          <a:p>
+            <a:r>
+              <a:rPr lang="en-US" sz="2200" dirty="0">
+                <a:latin typeface="Times New Roman" panose="02020603050405020304" pitchFamily="18" charset="0"/>
+                <a:cs typeface="Times New Roman" panose="02020603050405020304" pitchFamily="18" charset="0"/>
+              </a:rPr>
+              <a:t>Table 2: Classification result</a:t>
+            </a:r>
+          </a:p>
+        </p:txBody>
+      </p:sp>
+      <p:sp>
+        <p:nvSpPr>
+          <p:cNvPr id="18" name="TextBox 17">
+            <a:extLst>
+              <a:ext uri="{FF2B5EF4-FFF2-40B4-BE49-F238E27FC236}">
+                <a16:creationId xmlns:a16="http://schemas.microsoft.com/office/drawing/2014/main" id="{AA7D8F68-4A53-4931-8A87-93DF5C2786D1}"/>
+              </a:ext>
+            </a:extLst>
+          </p:cNvPr>
+          <p:cNvSpPr txBox="1"/>
+          <p:nvPr/>
+        </p:nvSpPr>
+        <p:spPr>
+          <a:xfrm>
+            <a:off x="1014060" y="5173774"/>
+            <a:ext cx="5698610" cy="430887"/>
+          </a:xfrm>
+          <a:prstGeom prst="rect">
+            <a:avLst/>
+          </a:prstGeom>
+          <a:noFill/>
+        </p:spPr>
+        <p:txBody>
+          <a:bodyPr wrap="square" rtlCol="0">
+            <a:spAutoFit/>
+          </a:bodyPr>
+          <a:lstStyle/>
+          <a:p>
+            <a:r>
+              <a:rPr lang="en-US" sz="2200" dirty="0">
+                <a:latin typeface="Times New Roman" panose="02020603050405020304" pitchFamily="18" charset="0"/>
+                <a:cs typeface="Times New Roman" panose="02020603050405020304" pitchFamily="18" charset="0"/>
+              </a:rPr>
+              <a:t>Fig. 3: Classification result in bar graph</a:t>
+            </a:r>
+          </a:p>
+        </p:txBody>
+      </p:sp>
+    </p:spTree>
+    <p:extLst>
+      <p:ext uri="{BB962C8B-B14F-4D97-AF65-F5344CB8AC3E}">
+        <p14:creationId xmlns:p14="http://schemas.microsoft.com/office/powerpoint/2010/main" val="1403013341"/>
+      </p:ext>
+    </p:extLst>
+  </p:cSld>
+  <p:clrMapOvr>
+    <a:masterClrMapping/>
+  </p:clrMapOvr>
+</p:sld>
+</file>
+
+<file path=ppt/slides/slide15.xml><?xml version="1.0" encoding="utf-8"?>
+<p:sld xmlns:a="http://schemas.openxmlformats.org/drawingml/2006/main" xmlns:r="http://schemas.openxmlformats.org/officeDocument/2006/relationships" xmlns:p="http://schemas.openxmlformats.org/presentationml/2006/main">
+  <p:cSld>
+    <p:spTree>
+      <p:nvGrpSpPr>
+        <p:cNvPr id="1" name=""/>
+        <p:cNvGrpSpPr/>
+        <p:nvPr/>
+      </p:nvGrpSpPr>
+      <p:grpSpPr>
+        <a:xfrm>
+          <a:off x="0" y="0"/>
+          <a:ext cx="0" cy="0"/>
+          <a:chOff x="0" y="0"/>
+          <a:chExt cx="0" cy="0"/>
+        </a:xfrm>
+      </p:grpSpPr>
+      <p:sp>
+        <p:nvSpPr>
+          <p:cNvPr id="29" name="Rectangle 28">
+            <a:extLst>
+              <a:ext uri="{FF2B5EF4-FFF2-40B4-BE49-F238E27FC236}">
+                <a16:creationId xmlns:a16="http://schemas.microsoft.com/office/drawing/2014/main" id="{2B566528-1B12-4246-9431-5C2D7D081168}"/>
+              </a:ext>
+              <a:ext uri="{C183D7F6-B498-43B3-948B-1728B52AA6E4}">
+                <adec:decorative xmlns:adec="http://schemas.microsoft.com/office/drawing/2017/decorative" val="1"/>
+              </a:ext>
+            </a:extLst>
+          </p:cNvPr>
+          <p:cNvSpPr>
+            <a:spLocks noGrp="1" noRot="1" noChangeAspect="1" noMove="1" noResize="1" noEditPoints="1" noAdjustHandles="1" noChangeArrowheads="1" noChangeShapeType="1" noTextEdit="1"/>
+          </p:cNvSpPr>
+          <p:nvPr>
+            <p:extLst>
+              <p:ext uri="{386F3935-93C4-4BCD-93E2-E3B085C9AB24}">
+                <p16:designElem xmlns:p16="http://schemas.microsoft.com/office/powerpoint/2015/main" val="1"/>
+              </p:ext>
+            </p:extLst>
+          </p:nvPr>
+        </p:nvSpPr>
+        <p:spPr>
+          <a:xfrm>
+            <a:off x="0" y="0"/>
+            <a:ext cx="12192000" cy="6858000"/>
+          </a:xfrm>
+          <a:prstGeom prst="rect">
+            <a:avLst/>
+          </a:prstGeom>
+          <a:solidFill>
+            <a:schemeClr val="bg1"/>
+          </a:solidFill>
+          <a:ln>
+            <a:noFill/>
+          </a:ln>
+        </p:spPr>
+        <p:style>
+          <a:lnRef idx="2">
+            <a:schemeClr val="accent1">
+              <a:shade val="50000"/>
+            </a:schemeClr>
+          </a:lnRef>
+          <a:fillRef idx="1">
+            <a:schemeClr val="accent1"/>
+          </a:fillRef>
+          <a:effectRef idx="0">
+            <a:schemeClr val="accent1"/>
+          </a:effectRef>
+          <a:fontRef idx="minor">
+            <a:schemeClr val="lt1"/>
+          </a:fontRef>
+        </p:style>
+        <p:txBody>
+          <a:bodyPr rtlCol="0" anchor="ctr"/>
+          <a:lstStyle/>
+          <a:p>
+            <a:pPr algn="ctr"/>
+            <a:endParaRPr lang="en-US" dirty="0"/>
+          </a:p>
+        </p:txBody>
+      </p:sp>
+      <p:grpSp>
+        <p:nvGrpSpPr>
+          <p:cNvPr id="34" name="Group 30">
+            <a:extLst>
+              <a:ext uri="{FF2B5EF4-FFF2-40B4-BE49-F238E27FC236}">
+                <a16:creationId xmlns:a16="http://schemas.microsoft.com/office/drawing/2014/main" id="{FA366754-A2F4-475B-8217-AB06F5F15F36}"/>
+              </a:ext>
+              <a:ext uri="{C183D7F6-B498-43B3-948B-1728B52AA6E4}">
+                <adec:decorative xmlns:adec="http://schemas.microsoft.com/office/drawing/2017/decorative" val="1"/>
+              </a:ext>
+            </a:extLst>
+          </p:cNvPr>
+          <p:cNvGrpSpPr>
+            <a:grpSpLocks noGrp="1" noUngrp="1" noRot="1" noChangeAspect="1" noMove="1" noResize="1"/>
+          </p:cNvGrpSpPr>
+          <p:nvPr>
+            <p:extLst>
+              <p:ext uri="{386F3935-93C4-4BCD-93E2-E3B085C9AB24}">
+                <p16:designElem xmlns:p16="http://schemas.microsoft.com/office/powerpoint/2015/main" val="1"/>
+              </p:ext>
+            </p:extLst>
+          </p:nvPr>
+        </p:nvGrpSpPr>
+        <p:grpSpPr>
+          <a:xfrm>
+            <a:off x="11219290" y="1"/>
+            <a:ext cx="972709" cy="1935307"/>
+            <a:chOff x="10918968" y="713127"/>
+            <a:chExt cx="1273032" cy="2532832"/>
+          </a:xfrm>
+        </p:grpSpPr>
+        <p:sp>
+          <p:nvSpPr>
+            <p:cNvPr id="38" name="Rectangle 31">
+              <a:extLst>
+                <a:ext uri="{FF2B5EF4-FFF2-40B4-BE49-F238E27FC236}">
+                  <a16:creationId xmlns:a16="http://schemas.microsoft.com/office/drawing/2014/main" id="{322BF2F0-5264-48F8-8780-73D64DE8487C}"/>
+                </a:ext>
+                <a:ext uri="{C183D7F6-B498-43B3-948B-1728B52AA6E4}">
+                  <adec:decorative xmlns:adec="http://schemas.microsoft.com/office/drawing/2017/decorative" val="1"/>
+                </a:ext>
+              </a:extLst>
+            </p:cNvPr>
+            <p:cNvSpPr/>
+            <p:nvPr>
+              <p:extLst>
+                <p:ext uri="{386F3935-93C4-4BCD-93E2-E3B085C9AB24}">
+                  <p16:designElem xmlns:p16="http://schemas.microsoft.com/office/powerpoint/2015/main" val="1"/>
+                </p:ext>
+              </p:extLst>
+            </p:nvPr>
+          </p:nvSpPr>
+          <p:spPr>
+            <a:xfrm rot="2700000">
+              <a:off x="11052629" y="2120024"/>
+              <a:ext cx="645368" cy="645368"/>
+            </a:xfrm>
+            <a:prstGeom prst="rect">
+              <a:avLst/>
+            </a:prstGeom>
+            <a:solidFill>
+              <a:schemeClr val="accent4">
+                <a:alpha val="30000"/>
+              </a:schemeClr>
+            </a:solidFill>
+            <a:ln>
+              <a:noFill/>
+            </a:ln>
+          </p:spPr>
+          <p:style>
+            <a:lnRef idx="2">
+              <a:schemeClr val="accent1">
+                <a:shade val="50000"/>
+              </a:schemeClr>
+            </a:lnRef>
+            <a:fillRef idx="1">
+              <a:schemeClr val="accent1"/>
+            </a:fillRef>
+            <a:effectRef idx="0">
+              <a:schemeClr val="accent1"/>
+            </a:effectRef>
+            <a:fontRef idx="minor">
+              <a:schemeClr val="lt1"/>
+            </a:fontRef>
+          </p:style>
+          <p:txBody>
+            <a:bodyPr rtlCol="0" anchor="ctr"/>
+            <a:lstStyle/>
+            <a:p>
+              <a:pPr algn="ctr"/>
+              <a:endParaRPr lang="en-US"/>
+            </a:p>
+          </p:txBody>
+        </p:sp>
+        <p:sp>
+          <p:nvSpPr>
+            <p:cNvPr id="33" name="Isosceles Triangle 32">
+              <a:extLst>
+                <a:ext uri="{FF2B5EF4-FFF2-40B4-BE49-F238E27FC236}">
+                  <a16:creationId xmlns:a16="http://schemas.microsoft.com/office/drawing/2014/main" id="{7DC5FF32-A8FD-4F1B-B8D3-3D226716C078}"/>
+                </a:ext>
+                <a:ext uri="{C183D7F6-B498-43B3-948B-1728B52AA6E4}">
+                  <adec:decorative xmlns:adec="http://schemas.microsoft.com/office/drawing/2017/decorative" val="1"/>
+                </a:ext>
+              </a:extLst>
+            </p:cNvPr>
+            <p:cNvSpPr/>
+            <p:nvPr>
+              <p:extLst>
+                <p:ext uri="{386F3935-93C4-4BCD-93E2-E3B085C9AB24}">
+                  <p16:designElem xmlns:p16="http://schemas.microsoft.com/office/powerpoint/2015/main" val="1"/>
+                </p:ext>
+              </p:extLst>
+            </p:nvPr>
+          </p:nvSpPr>
+          <p:spPr>
+            <a:xfrm rot="16200000">
+              <a:off x="10289068" y="1343027"/>
+              <a:ext cx="2532832" cy="1273032"/>
+            </a:xfrm>
+            <a:prstGeom prst="triangle">
+              <a:avLst>
+                <a:gd name="adj" fmla="val 50000"/>
+              </a:avLst>
+            </a:prstGeom>
+            <a:solidFill>
+              <a:schemeClr val="accent4">
+                <a:alpha val="30000"/>
+              </a:schemeClr>
+            </a:solidFill>
+            <a:ln>
+              <a:noFill/>
+            </a:ln>
+          </p:spPr>
+          <p:style>
+            <a:lnRef idx="2">
+              <a:schemeClr val="accent1">
+                <a:shade val="50000"/>
+              </a:schemeClr>
+            </a:lnRef>
+            <a:fillRef idx="1">
+              <a:schemeClr val="accent1"/>
+            </a:fillRef>
+            <a:effectRef idx="0">
+              <a:schemeClr val="accent1"/>
+            </a:effectRef>
+            <a:fontRef idx="minor">
+              <a:schemeClr val="lt1"/>
+            </a:fontRef>
+          </p:style>
+          <p:txBody>
+            <a:bodyPr rtlCol="0" anchor="ctr"/>
+            <a:lstStyle/>
+            <a:p>
+              <a:pPr algn="ctr"/>
+              <a:endParaRPr lang="en-US" dirty="0"/>
+            </a:p>
+          </p:txBody>
+        </p:sp>
+      </p:grpSp>
+      <p:grpSp>
+        <p:nvGrpSpPr>
+          <p:cNvPr id="35" name="Group 34">
+            <a:extLst>
+              <a:ext uri="{FF2B5EF4-FFF2-40B4-BE49-F238E27FC236}">
+                <a16:creationId xmlns:a16="http://schemas.microsoft.com/office/drawing/2014/main" id="{828A5161-06F1-46CF-8AD7-844680A59E13}"/>
+              </a:ext>
+              <a:ext uri="{C183D7F6-B498-43B3-948B-1728B52AA6E4}">
+                <adec:decorative xmlns:adec="http://schemas.microsoft.com/office/drawing/2017/decorative" val="1"/>
+              </a:ext>
+            </a:extLst>
+          </p:cNvPr>
+          <p:cNvGrpSpPr>
+            <a:grpSpLocks noGrp="1" noUngrp="1" noRot="1" noChangeAspect="1" noMove="1" noResize="1"/>
+          </p:cNvGrpSpPr>
+          <p:nvPr>
+            <p:extLst>
+              <p:ext uri="{386F3935-93C4-4BCD-93E2-E3B085C9AB24}">
+                <p16:designElem xmlns:p16="http://schemas.microsoft.com/office/powerpoint/2015/main" val="1"/>
+              </p:ext>
+            </p:extLst>
+          </p:nvPr>
+        </p:nvGrpSpPr>
+        <p:grpSpPr>
+          <a:xfrm>
+            <a:off x="0" y="4601497"/>
+            <a:ext cx="1014060" cy="2017580"/>
+            <a:chOff x="0" y="4601497"/>
+            <a:chExt cx="1014060" cy="2017580"/>
+          </a:xfrm>
+        </p:grpSpPr>
+        <p:sp>
+          <p:nvSpPr>
+            <p:cNvPr id="36" name="Isosceles Triangle 35">
+              <a:extLst>
+                <a:ext uri="{FF2B5EF4-FFF2-40B4-BE49-F238E27FC236}">
+                  <a16:creationId xmlns:a16="http://schemas.microsoft.com/office/drawing/2014/main" id="{D3F51FEB-38FB-4F6C-9F7B-2F2AFAB65463}"/>
+                </a:ext>
+                <a:ext uri="{C183D7F6-B498-43B3-948B-1728B52AA6E4}">
+                  <adec:decorative xmlns:adec="http://schemas.microsoft.com/office/drawing/2017/decorative" val="1"/>
+                </a:ext>
+              </a:extLst>
+            </p:cNvPr>
+            <p:cNvSpPr/>
+            <p:nvPr>
+              <p:extLst>
+                <p:ext uri="{386F3935-93C4-4BCD-93E2-E3B085C9AB24}">
+                  <p16:designElem xmlns:p16="http://schemas.microsoft.com/office/powerpoint/2015/main" val="1"/>
+                </p:ext>
+              </p:extLst>
+            </p:nvPr>
+          </p:nvSpPr>
+          <p:spPr>
+            <a:xfrm rot="5400000">
+              <a:off x="-501760" y="5103257"/>
+              <a:ext cx="2017580" cy="1014060"/>
+            </a:xfrm>
+            <a:prstGeom prst="triangle">
+              <a:avLst>
+                <a:gd name="adj" fmla="val 50000"/>
+              </a:avLst>
+            </a:prstGeom>
+            <a:solidFill>
+              <a:schemeClr val="accent1">
+                <a:alpha val="30000"/>
+              </a:schemeClr>
+            </a:solidFill>
+            <a:ln>
+              <a:noFill/>
+            </a:ln>
+          </p:spPr>
+          <p:style>
+            <a:lnRef idx="2">
+              <a:schemeClr val="accent1">
+                <a:shade val="50000"/>
+              </a:schemeClr>
+            </a:lnRef>
+            <a:fillRef idx="1">
+              <a:schemeClr val="accent1"/>
+            </a:fillRef>
+            <a:effectRef idx="0">
+              <a:schemeClr val="accent1"/>
+            </a:effectRef>
+            <a:fontRef idx="minor">
+              <a:schemeClr val="lt1"/>
+            </a:fontRef>
+          </p:style>
+          <p:txBody>
+            <a:bodyPr rtlCol="0" anchor="ctr"/>
+            <a:lstStyle/>
+            <a:p>
+              <a:pPr algn="ctr"/>
+              <a:endParaRPr lang="en-US"/>
+            </a:p>
+          </p:txBody>
+        </p:sp>
+        <p:sp>
+          <p:nvSpPr>
+            <p:cNvPr id="37" name="Rectangle 36">
+              <a:extLst>
+                <a:ext uri="{FF2B5EF4-FFF2-40B4-BE49-F238E27FC236}">
+                  <a16:creationId xmlns:a16="http://schemas.microsoft.com/office/drawing/2014/main" id="{1E547BA6-BAE0-43BB-A7CA-60F69CE252F0}"/>
+                </a:ext>
+                <a:ext uri="{C183D7F6-B498-43B3-948B-1728B52AA6E4}">
+                  <adec:decorative xmlns:adec="http://schemas.microsoft.com/office/drawing/2017/decorative" val="1"/>
+                </a:ext>
+              </a:extLst>
+            </p:cNvPr>
+            <p:cNvSpPr/>
+            <p:nvPr>
+              <p:extLst>
+                <p:ext uri="{386F3935-93C4-4BCD-93E2-E3B085C9AB24}">
+                  <p16:designElem xmlns:p16="http://schemas.microsoft.com/office/powerpoint/2015/main" val="1"/>
+                </p:ext>
+              </p:extLst>
+            </p:nvPr>
+          </p:nvSpPr>
+          <p:spPr>
+            <a:xfrm rot="2700000">
+              <a:off x="427916" y="5728708"/>
+              <a:ext cx="485578" cy="485578"/>
+            </a:xfrm>
+            <a:prstGeom prst="rect">
+              <a:avLst/>
+            </a:prstGeom>
+            <a:solidFill>
+              <a:schemeClr val="accent1">
+                <a:alpha val="30000"/>
+              </a:schemeClr>
+            </a:solidFill>
+            <a:ln>
+              <a:noFill/>
+            </a:ln>
+          </p:spPr>
+          <p:style>
+            <a:lnRef idx="2">
+              <a:schemeClr val="accent1">
+                <a:shade val="50000"/>
+              </a:schemeClr>
+            </a:lnRef>
+            <a:fillRef idx="1">
+              <a:schemeClr val="accent1"/>
+            </a:fillRef>
+            <a:effectRef idx="0">
+              <a:schemeClr val="accent1"/>
+            </a:effectRef>
+            <a:fontRef idx="minor">
+              <a:schemeClr val="lt1"/>
+            </a:fontRef>
+          </p:style>
+          <p:txBody>
+            <a:bodyPr rtlCol="0" anchor="ctr"/>
+            <a:lstStyle/>
+            <a:p>
+              <a:pPr algn="ctr"/>
+              <a:endParaRPr lang="en-US"/>
+            </a:p>
+          </p:txBody>
+        </p:sp>
+      </p:grpSp>
+      <p:sp>
+        <p:nvSpPr>
+          <p:cNvPr id="9" name="TextBox 8">
+            <a:extLst>
+              <a:ext uri="{FF2B5EF4-FFF2-40B4-BE49-F238E27FC236}">
+                <a16:creationId xmlns:a16="http://schemas.microsoft.com/office/drawing/2014/main" id="{39A9DCD3-F794-4C45-8A7D-CD57CBEEE291}"/>
+              </a:ext>
+            </a:extLst>
+          </p:cNvPr>
+          <p:cNvSpPr txBox="1"/>
+          <p:nvPr/>
+        </p:nvSpPr>
+        <p:spPr>
+          <a:xfrm>
+            <a:off x="643467" y="321734"/>
+            <a:ext cx="10905066" cy="1135737"/>
+          </a:xfrm>
+          <a:prstGeom prst="rect">
+            <a:avLst/>
+          </a:prstGeom>
+        </p:spPr>
+        <p:txBody>
+          <a:bodyPr vert="horz" lIns="91440" tIns="45720" rIns="91440" bIns="45720" rtlCol="0" anchor="ctr">
+            <a:normAutofit/>
+          </a:bodyPr>
+          <a:lstStyle/>
+          <a:p>
+            <a:pPr>
+              <a:lnSpc>
+                <a:spcPct val="90000"/>
+              </a:lnSpc>
+              <a:spcBef>
+                <a:spcPct val="0"/>
+              </a:spcBef>
+              <a:spcAft>
+                <a:spcPts val="600"/>
+              </a:spcAft>
+            </a:pPr>
+            <a:r>
+              <a:rPr lang="en-US" sz="3300" b="1" i="0" kern="1200" spc="-50" dirty="0">
+                <a:solidFill>
+                  <a:schemeClr val="tx1"/>
+                </a:solidFill>
+                <a:effectLst/>
+                <a:latin typeface="Times New Roman" panose="02020603050405020304" pitchFamily="18" charset="0"/>
+                <a:ea typeface="+mj-ea"/>
+                <a:cs typeface="Times New Roman" panose="02020603050405020304" pitchFamily="18" charset="0"/>
+              </a:rPr>
+              <a:t>Conclusion</a:t>
+            </a:r>
+          </a:p>
+        </p:txBody>
+      </p:sp>
+      <p:sp>
+        <p:nvSpPr>
+          <p:cNvPr id="10" name="TextBox 9">
+            <a:extLst>
+              <a:ext uri="{FF2B5EF4-FFF2-40B4-BE49-F238E27FC236}">
+                <a16:creationId xmlns:a16="http://schemas.microsoft.com/office/drawing/2014/main" id="{3E2366B4-DA4C-41BE-83B1-CFB5B8ABECD9}"/>
+              </a:ext>
+            </a:extLst>
+          </p:cNvPr>
+          <p:cNvSpPr txBox="1"/>
+          <p:nvPr/>
+        </p:nvSpPr>
+        <p:spPr>
+          <a:xfrm>
+            <a:off x="643468" y="1782981"/>
+            <a:ext cx="6842935" cy="4393982"/>
+          </a:xfrm>
+          <a:prstGeom prst="rect">
+            <a:avLst/>
+          </a:prstGeom>
+        </p:spPr>
+        <p:txBody>
+          <a:bodyPr vert="horz" lIns="91440" tIns="45720" rIns="91440" bIns="45720" rtlCol="0">
+            <a:normAutofit/>
+          </a:bodyPr>
+          <a:lstStyle/>
+          <a:p>
+            <a:pPr indent="-228600">
+              <a:lnSpc>
+                <a:spcPct val="90000"/>
+              </a:lnSpc>
+              <a:spcAft>
+                <a:spcPts val="600"/>
+              </a:spcAft>
+              <a:buClr>
+                <a:schemeClr val="accent1"/>
+              </a:buClr>
+              <a:buFont typeface="Arial" panose="020B0604020202020204" pitchFamily="34" charset="0"/>
+              <a:buChar char="•"/>
+            </a:pPr>
+            <a:r>
+              <a:rPr lang="en-US" sz="2200" dirty="0">
+                <a:latin typeface="Times New Roman" panose="02020603050405020304" pitchFamily="18" charset="0"/>
+                <a:cs typeface="Times New Roman" panose="02020603050405020304" pitchFamily="18" charset="0"/>
+              </a:rPr>
+              <a:t>Font : Times New Roman size 22</a:t>
+            </a:r>
+          </a:p>
+          <a:p>
+            <a:pPr indent="-228600">
+              <a:lnSpc>
+                <a:spcPct val="90000"/>
+              </a:lnSpc>
+              <a:spcAft>
+                <a:spcPts val="600"/>
+              </a:spcAft>
+              <a:buClr>
+                <a:schemeClr val="accent1"/>
+              </a:buClr>
+              <a:buFont typeface="Arial" panose="020B0604020202020204" pitchFamily="34" charset="0"/>
+              <a:buChar char="•"/>
+            </a:pPr>
+            <a:endParaRPr lang="en-US" sz="2200" dirty="0">
+              <a:latin typeface="Times New Roman" panose="02020603050405020304" pitchFamily="18" charset="0"/>
+              <a:cs typeface="Times New Roman" panose="02020603050405020304" pitchFamily="18" charset="0"/>
+            </a:endParaRPr>
+          </a:p>
+        </p:txBody>
+      </p:sp>
+    </p:spTree>
+    <p:extLst>
+      <p:ext uri="{BB962C8B-B14F-4D97-AF65-F5344CB8AC3E}">
+        <p14:creationId xmlns:p14="http://schemas.microsoft.com/office/powerpoint/2010/main" val="1291641331"/>
+      </p:ext>
+    </p:extLst>
+  </p:cSld>
+  <p:clrMapOvr>
+    <a:masterClrMapping/>
+  </p:clrMapOvr>
+</p:sld>
+</file>
+
+<file path=ppt/slides/slide2.xml><?xml version="1.0" encoding="utf-8"?>
+<p:sld xmlns:a="http://schemas.openxmlformats.org/drawingml/2006/main" xmlns:r="http://schemas.openxmlformats.org/officeDocument/2006/relationships" xmlns:p="http://schemas.openxmlformats.org/presentationml/2006/main">
+  <p:cSld>
+    <p:spTree>
+      <p:nvGrpSpPr>
+        <p:cNvPr id="1" name=""/>
+        <p:cNvGrpSpPr/>
+        <p:nvPr/>
+      </p:nvGrpSpPr>
+      <p:grpSpPr>
+        <a:xfrm>
+          <a:off x="0" y="0"/>
+          <a:ext cx="0" cy="0"/>
+          <a:chOff x="0" y="0"/>
+          <a:chExt cx="0" cy="0"/>
+        </a:xfrm>
+      </p:grpSpPr>
+      <p:sp>
+        <p:nvSpPr>
+          <p:cNvPr id="29" name="Rectangle 28">
+            <a:extLst>
+              <a:ext uri="{FF2B5EF4-FFF2-40B4-BE49-F238E27FC236}">
+                <a16:creationId xmlns:a16="http://schemas.microsoft.com/office/drawing/2014/main" id="{2B566528-1B12-4246-9431-5C2D7D081168}"/>
+              </a:ext>
+              <a:ext uri="{C183D7F6-B498-43B3-948B-1728B52AA6E4}">
+                <adec:decorative xmlns:adec="http://schemas.microsoft.com/office/drawing/2017/decorative" val="1"/>
+              </a:ext>
+            </a:extLst>
+          </p:cNvPr>
+          <p:cNvSpPr>
+            <a:spLocks noGrp="1" noRot="1" noChangeAspect="1" noMove="1" noResize="1" noEditPoints="1" noAdjustHandles="1" noChangeArrowheads="1" noChangeShapeType="1" noTextEdit="1"/>
+          </p:cNvSpPr>
+          <p:nvPr>
+            <p:extLst>
+              <p:ext uri="{386F3935-93C4-4BCD-93E2-E3B085C9AB24}">
+                <p16:designElem xmlns:p16="http://schemas.microsoft.com/office/powerpoint/2015/main" val="1"/>
+              </p:ext>
+            </p:extLst>
+          </p:nvPr>
+        </p:nvSpPr>
+        <p:spPr>
+          <a:xfrm>
+            <a:off x="0" y="0"/>
+            <a:ext cx="12192000" cy="6858000"/>
+          </a:xfrm>
+          <a:prstGeom prst="rect">
+            <a:avLst/>
+          </a:prstGeom>
+          <a:solidFill>
+            <a:schemeClr val="bg1"/>
+          </a:solidFill>
+          <a:ln>
+            <a:noFill/>
+          </a:ln>
+        </p:spPr>
+        <p:style>
+          <a:lnRef idx="2">
+            <a:schemeClr val="accent1">
+              <a:shade val="50000"/>
+            </a:schemeClr>
+          </a:lnRef>
+          <a:fillRef idx="1">
+            <a:schemeClr val="accent1"/>
+          </a:fillRef>
+          <a:effectRef idx="0">
+            <a:schemeClr val="accent1"/>
+          </a:effectRef>
+          <a:fontRef idx="minor">
+            <a:schemeClr val="lt1"/>
+          </a:fontRef>
+        </p:style>
+        <p:txBody>
+          <a:bodyPr rtlCol="0" anchor="ctr"/>
+          <a:lstStyle/>
+          <a:p>
+            <a:pPr algn="ctr"/>
+            <a:endParaRPr lang="en-US" dirty="0"/>
+          </a:p>
+        </p:txBody>
+      </p:sp>
+      <p:grpSp>
+        <p:nvGrpSpPr>
+          <p:cNvPr id="34" name="Group 30">
+            <a:extLst>
+              <a:ext uri="{FF2B5EF4-FFF2-40B4-BE49-F238E27FC236}">
+                <a16:creationId xmlns:a16="http://schemas.microsoft.com/office/drawing/2014/main" id="{FA366754-A2F4-475B-8217-AB06F5F15F36}"/>
+              </a:ext>
+              <a:ext uri="{C183D7F6-B498-43B3-948B-1728B52AA6E4}">
+                <adec:decorative xmlns:adec="http://schemas.microsoft.com/office/drawing/2017/decorative" val="1"/>
+              </a:ext>
+            </a:extLst>
+          </p:cNvPr>
+          <p:cNvGrpSpPr>
+            <a:grpSpLocks noGrp="1" noUngrp="1" noRot="1" noChangeAspect="1" noMove="1" noResize="1"/>
+          </p:cNvGrpSpPr>
+          <p:nvPr>
+            <p:extLst>
+              <p:ext uri="{386F3935-93C4-4BCD-93E2-E3B085C9AB24}">
+                <p16:designElem xmlns:p16="http://schemas.microsoft.com/office/powerpoint/2015/main" val="1"/>
+              </p:ext>
+            </p:extLst>
+          </p:nvPr>
+        </p:nvGrpSpPr>
+        <p:grpSpPr>
+          <a:xfrm>
+            <a:off x="11219290" y="1"/>
+            <a:ext cx="972709" cy="1935307"/>
+            <a:chOff x="10918968" y="713127"/>
+            <a:chExt cx="1273032" cy="2532832"/>
+          </a:xfrm>
+        </p:grpSpPr>
+        <p:sp>
+          <p:nvSpPr>
+            <p:cNvPr id="38" name="Rectangle 31">
+              <a:extLst>
+                <a:ext uri="{FF2B5EF4-FFF2-40B4-BE49-F238E27FC236}">
+                  <a16:creationId xmlns:a16="http://schemas.microsoft.com/office/drawing/2014/main" id="{322BF2F0-5264-48F8-8780-73D64DE8487C}"/>
+                </a:ext>
+                <a:ext uri="{C183D7F6-B498-43B3-948B-1728B52AA6E4}">
+                  <adec:decorative xmlns:adec="http://schemas.microsoft.com/office/drawing/2017/decorative" val="1"/>
+                </a:ext>
+              </a:extLst>
+            </p:cNvPr>
+            <p:cNvSpPr/>
+            <p:nvPr>
+              <p:extLst>
+                <p:ext uri="{386F3935-93C4-4BCD-93E2-E3B085C9AB24}">
+                  <p16:designElem xmlns:p16="http://schemas.microsoft.com/office/powerpoint/2015/main" val="1"/>
+                </p:ext>
+              </p:extLst>
+            </p:nvPr>
+          </p:nvSpPr>
+          <p:spPr>
+            <a:xfrm rot="2700000">
+              <a:off x="11052629" y="2120024"/>
+              <a:ext cx="645368" cy="645368"/>
+            </a:xfrm>
+            <a:prstGeom prst="rect">
+              <a:avLst/>
+            </a:prstGeom>
+            <a:solidFill>
+              <a:schemeClr val="accent4">
+                <a:alpha val="30000"/>
+              </a:schemeClr>
+            </a:solidFill>
+            <a:ln>
+              <a:noFill/>
+            </a:ln>
+          </p:spPr>
+          <p:style>
+            <a:lnRef idx="2">
+              <a:schemeClr val="accent1">
+                <a:shade val="50000"/>
+              </a:schemeClr>
+            </a:lnRef>
+            <a:fillRef idx="1">
+              <a:schemeClr val="accent1"/>
+            </a:fillRef>
+            <a:effectRef idx="0">
+              <a:schemeClr val="accent1"/>
+            </a:effectRef>
+            <a:fontRef idx="minor">
+              <a:schemeClr val="lt1"/>
+            </a:fontRef>
+          </p:style>
+          <p:txBody>
+            <a:bodyPr rtlCol="0" anchor="ctr"/>
+            <a:lstStyle/>
+            <a:p>
+              <a:pPr algn="ctr"/>
+              <a:endParaRPr lang="en-US"/>
+            </a:p>
+          </p:txBody>
+        </p:sp>
+        <p:sp>
+          <p:nvSpPr>
+            <p:cNvPr id="33" name="Isosceles Triangle 32">
+              <a:extLst>
+                <a:ext uri="{FF2B5EF4-FFF2-40B4-BE49-F238E27FC236}">
+                  <a16:creationId xmlns:a16="http://schemas.microsoft.com/office/drawing/2014/main" id="{7DC5FF32-A8FD-4F1B-B8D3-3D226716C078}"/>
+                </a:ext>
+                <a:ext uri="{C183D7F6-B498-43B3-948B-1728B52AA6E4}">
+                  <adec:decorative xmlns:adec="http://schemas.microsoft.com/office/drawing/2017/decorative" val="1"/>
+                </a:ext>
+              </a:extLst>
+            </p:cNvPr>
+            <p:cNvSpPr/>
+            <p:nvPr>
+              <p:extLst>
+                <p:ext uri="{386F3935-93C4-4BCD-93E2-E3B085C9AB24}">
+                  <p16:designElem xmlns:p16="http://schemas.microsoft.com/office/powerpoint/2015/main" val="1"/>
+                </p:ext>
+              </p:extLst>
+            </p:nvPr>
+          </p:nvSpPr>
+          <p:spPr>
+            <a:xfrm rot="16200000">
+              <a:off x="10289068" y="1343027"/>
+              <a:ext cx="2532832" cy="1273032"/>
+            </a:xfrm>
+            <a:prstGeom prst="triangle">
+              <a:avLst>
+                <a:gd name="adj" fmla="val 50000"/>
+              </a:avLst>
+            </a:prstGeom>
+            <a:solidFill>
+              <a:schemeClr val="accent4">
+                <a:alpha val="30000"/>
+              </a:schemeClr>
+            </a:solidFill>
+            <a:ln>
+              <a:noFill/>
+            </a:ln>
+          </p:spPr>
+          <p:style>
+            <a:lnRef idx="2">
+              <a:schemeClr val="accent1">
+                <a:shade val="50000"/>
+              </a:schemeClr>
+            </a:lnRef>
+            <a:fillRef idx="1">
+              <a:schemeClr val="accent1"/>
+            </a:fillRef>
+            <a:effectRef idx="0">
+              <a:schemeClr val="accent1"/>
+            </a:effectRef>
+            <a:fontRef idx="minor">
+              <a:schemeClr val="lt1"/>
+            </a:fontRef>
+          </p:style>
+          <p:txBody>
+            <a:bodyPr rtlCol="0" anchor="ctr"/>
+            <a:lstStyle/>
+            <a:p>
+              <a:pPr algn="ctr"/>
+              <a:endParaRPr lang="en-US" dirty="0"/>
+            </a:p>
+          </p:txBody>
+        </p:sp>
+      </p:grpSp>
+      <p:grpSp>
+        <p:nvGrpSpPr>
+          <p:cNvPr id="35" name="Group 34">
+            <a:extLst>
+              <a:ext uri="{FF2B5EF4-FFF2-40B4-BE49-F238E27FC236}">
+                <a16:creationId xmlns:a16="http://schemas.microsoft.com/office/drawing/2014/main" id="{828A5161-06F1-46CF-8AD7-844680A59E13}"/>
+              </a:ext>
+              <a:ext uri="{C183D7F6-B498-43B3-948B-1728B52AA6E4}">
+                <adec:decorative xmlns:adec="http://schemas.microsoft.com/office/drawing/2017/decorative" val="1"/>
+              </a:ext>
+            </a:extLst>
+          </p:cNvPr>
+          <p:cNvGrpSpPr>
+            <a:grpSpLocks noGrp="1" noUngrp="1" noRot="1" noChangeAspect="1" noMove="1" noResize="1"/>
+          </p:cNvGrpSpPr>
+          <p:nvPr>
+            <p:extLst>
+              <p:ext uri="{386F3935-93C4-4BCD-93E2-E3B085C9AB24}">
+                <p16:designElem xmlns:p16="http://schemas.microsoft.com/office/powerpoint/2015/main" val="1"/>
+              </p:ext>
+            </p:extLst>
+          </p:nvPr>
+        </p:nvGrpSpPr>
+        <p:grpSpPr>
+          <a:xfrm>
+            <a:off x="0" y="4601497"/>
+            <a:ext cx="1014060" cy="2017580"/>
+            <a:chOff x="0" y="4601497"/>
+            <a:chExt cx="1014060" cy="2017580"/>
+          </a:xfrm>
+        </p:grpSpPr>
+        <p:sp>
+          <p:nvSpPr>
+            <p:cNvPr id="36" name="Isosceles Triangle 35">
+              <a:extLst>
+                <a:ext uri="{FF2B5EF4-FFF2-40B4-BE49-F238E27FC236}">
+                  <a16:creationId xmlns:a16="http://schemas.microsoft.com/office/drawing/2014/main" id="{D3F51FEB-38FB-4F6C-9F7B-2F2AFAB65463}"/>
+                </a:ext>
+                <a:ext uri="{C183D7F6-B498-43B3-948B-1728B52AA6E4}">
+                  <adec:decorative xmlns:adec="http://schemas.microsoft.com/office/drawing/2017/decorative" val="1"/>
+                </a:ext>
+              </a:extLst>
+            </p:cNvPr>
+            <p:cNvSpPr/>
+            <p:nvPr>
+              <p:extLst>
+                <p:ext uri="{386F3935-93C4-4BCD-93E2-E3B085C9AB24}">
+                  <p16:designElem xmlns:p16="http://schemas.microsoft.com/office/powerpoint/2015/main" val="1"/>
+                </p:ext>
+              </p:extLst>
+            </p:nvPr>
+          </p:nvSpPr>
+          <p:spPr>
+            <a:xfrm rot="5400000">
+              <a:off x="-501760" y="5103257"/>
+              <a:ext cx="2017580" cy="1014060"/>
+            </a:xfrm>
+            <a:prstGeom prst="triangle">
+              <a:avLst>
+                <a:gd name="adj" fmla="val 50000"/>
+              </a:avLst>
+            </a:prstGeom>
+            <a:solidFill>
+              <a:schemeClr val="accent1">
+                <a:alpha val="30000"/>
+              </a:schemeClr>
+            </a:solidFill>
+            <a:ln>
+              <a:noFill/>
+            </a:ln>
+          </p:spPr>
+          <p:style>
+            <a:lnRef idx="2">
+              <a:schemeClr val="accent1">
+                <a:shade val="50000"/>
+              </a:schemeClr>
+            </a:lnRef>
+            <a:fillRef idx="1">
+              <a:schemeClr val="accent1"/>
+            </a:fillRef>
+            <a:effectRef idx="0">
+              <a:schemeClr val="accent1"/>
+            </a:effectRef>
+            <a:fontRef idx="minor">
+              <a:schemeClr val="lt1"/>
+            </a:fontRef>
+          </p:style>
+          <p:txBody>
+            <a:bodyPr rtlCol="0" anchor="ctr"/>
+            <a:lstStyle/>
+            <a:p>
+              <a:pPr algn="ctr"/>
+              <a:endParaRPr lang="en-US"/>
+            </a:p>
+          </p:txBody>
+        </p:sp>
+        <p:sp>
+          <p:nvSpPr>
+            <p:cNvPr id="37" name="Rectangle 36">
+              <a:extLst>
+                <a:ext uri="{FF2B5EF4-FFF2-40B4-BE49-F238E27FC236}">
+                  <a16:creationId xmlns:a16="http://schemas.microsoft.com/office/drawing/2014/main" id="{1E547BA6-BAE0-43BB-A7CA-60F69CE252F0}"/>
+                </a:ext>
+                <a:ext uri="{C183D7F6-B498-43B3-948B-1728B52AA6E4}">
+                  <adec:decorative xmlns:adec="http://schemas.microsoft.com/office/drawing/2017/decorative" val="1"/>
+                </a:ext>
+              </a:extLst>
+            </p:cNvPr>
+            <p:cNvSpPr/>
+            <p:nvPr>
+              <p:extLst>
+                <p:ext uri="{386F3935-93C4-4BCD-93E2-E3B085C9AB24}">
+                  <p16:designElem xmlns:p16="http://schemas.microsoft.com/office/powerpoint/2015/main" val="1"/>
+                </p:ext>
+              </p:extLst>
+            </p:nvPr>
+          </p:nvSpPr>
+          <p:spPr>
+            <a:xfrm rot="2700000">
+              <a:off x="427916" y="5728708"/>
+              <a:ext cx="485578" cy="485578"/>
+            </a:xfrm>
+            <a:prstGeom prst="rect">
+              <a:avLst/>
+            </a:prstGeom>
+            <a:solidFill>
+              <a:schemeClr val="accent1">
+                <a:alpha val="30000"/>
+              </a:schemeClr>
+            </a:solidFill>
+            <a:ln>
+              <a:noFill/>
+            </a:ln>
+          </p:spPr>
+          <p:style>
+            <a:lnRef idx="2">
+              <a:schemeClr val="accent1">
+                <a:shade val="50000"/>
+              </a:schemeClr>
+            </a:lnRef>
+            <a:fillRef idx="1">
+              <a:schemeClr val="accent1"/>
+            </a:fillRef>
+            <a:effectRef idx="0">
+              <a:schemeClr val="accent1"/>
+            </a:effectRef>
+            <a:fontRef idx="minor">
+              <a:schemeClr val="lt1"/>
+            </a:fontRef>
+          </p:style>
+          <p:txBody>
+            <a:bodyPr rtlCol="0" anchor="ctr"/>
+            <a:lstStyle/>
+            <a:p>
+              <a:pPr algn="ctr"/>
+              <a:endParaRPr lang="en-US"/>
+            </a:p>
+          </p:txBody>
+        </p:sp>
+      </p:grpSp>
+      <p:sp>
+        <p:nvSpPr>
           <p:cNvPr id="13" name="TextBox 12">
             <a:extLst>
               <a:ext uri="{FF2B5EF4-FFF2-40B4-BE49-F238E27FC236}">
@@ -9154,28 +12624,6 @@
                 <a:cs typeface="Times New Roman" panose="02020603050405020304" pitchFamily="18" charset="0"/>
               </a:rPr>
               <a:t>Experiment Design</a:t>
-            </a:r>
-          </a:p>
-          <a:p>
-            <a:pPr indent="-228600">
-              <a:lnSpc>
-                <a:spcPct val="90000"/>
-              </a:lnSpc>
-              <a:spcAft>
-                <a:spcPts val="600"/>
-              </a:spcAft>
-              <a:buClr>
-                <a:schemeClr val="accent1"/>
-              </a:buClr>
-              <a:buFont typeface="Arial" panose="020B0604020202020204" pitchFamily="34" charset="0"/>
-              <a:buChar char="•"/>
-            </a:pPr>
-            <a:r>
-              <a:rPr lang="en-US" sz="2200" dirty="0">
-                <a:latin typeface="Times New Roman" panose="02020603050405020304" pitchFamily="18" charset="0"/>
-                <a:cs typeface="Times New Roman" panose="02020603050405020304" pitchFamily="18" charset="0"/>
-              </a:rPr>
-              <a:t>Methodology</a:t>
             </a:r>
           </a:p>
           <a:p>
@@ -13606,8 +17054,8 @@
           </a:p>
         </p:txBody>
       </p:sp>
-      <mc:AlternateContent xmlns:mc="http://schemas.openxmlformats.org/markup-compatibility/2006">
-        <mc:Choice xmlns:a14="http://schemas.microsoft.com/office/drawing/2010/main" Requires="a14">
+      <mc:AlternateContent xmlns:mc="http://schemas.openxmlformats.org/markup-compatibility/2006" xmlns:a14="http://schemas.microsoft.com/office/drawing/2010/main">
+        <mc:Choice Requires="a14">
           <p:sp>
             <p:nvSpPr>
               <p:cNvPr id="4" name="TextBox 3">
@@ -13641,6 +17089,7 @@
               </a:bodyPr>
               <a:lstStyle/>
               <a:p>
+                <a:pPr/>
                 <a14:m>
                   <m:oMathPara xmlns:m="http://schemas.openxmlformats.org/officeDocument/2006/math">
                     <m:oMathParaPr>
@@ -13867,7 +17316,7 @@
             </p:txBody>
           </p:sp>
         </mc:Choice>
-        <mc:Fallback>
+        <mc:Fallback xmlns="">
           <p:sp>
             <p:nvSpPr>
               <p:cNvPr id="4" name="TextBox 3">
@@ -13917,8 +17366,8 @@
           </p:sp>
         </mc:Fallback>
       </mc:AlternateContent>
-      <mc:AlternateContent xmlns:mc="http://schemas.openxmlformats.org/markup-compatibility/2006">
-        <mc:Choice xmlns:a14="http://schemas.microsoft.com/office/drawing/2010/main" Requires="a14">
+      <mc:AlternateContent xmlns:mc="http://schemas.openxmlformats.org/markup-compatibility/2006" xmlns:a14="http://schemas.microsoft.com/office/drawing/2010/main">
+        <mc:Choice Requires="a14">
           <p:sp>
             <p:nvSpPr>
               <p:cNvPr id="56" name="TextBox 55">
@@ -14048,7 +17497,7 @@
                     <m:d>
                       <m:dPr>
                         <m:ctrlPr>
-                          <a:rPr lang="en-US" sz="2200" b="0" i="0" smtClean="0">
+                          <a:rPr lang="en-US" sz="2200" b="0" i="1" smtClean="0">
                             <a:latin typeface="Cambria Math" panose="02040503050406030204" pitchFamily="18" charset="0"/>
                           </a:rPr>
                         </m:ctrlPr>
@@ -14189,7 +17638,7 @@
             </p:txBody>
           </p:sp>
         </mc:Choice>
-        <mc:Fallback>
+        <mc:Fallback xmlns="">
           <p:sp>
             <p:nvSpPr>
               <p:cNvPr id="56" name="TextBox 55">

--- a/Presentation/Classification-of-time-signals-by-CNN-using-STFT-Paween.pptx
+++ b/Presentation/Classification-of-time-signals-by-CNN-using-STFT-Paween.pptx
@@ -174,7 +174,7 @@
               <a:cs typeface="+mn-cs"/>
             </a:defRPr>
           </a:pPr>
-          <a:endParaRPr lang="en-US"/>
+          <a:endParaRPr lang="de-DE"/>
         </a:p>
       </c:txPr>
     </c:title>
@@ -272,7 +272,7 @@
                     <a:cs typeface="+mn-cs"/>
                   </a:defRPr>
                 </a:pPr>
-                <a:endParaRPr lang="en-US"/>
+                <a:endParaRPr lang="de-DE"/>
               </a:p>
             </c:txPr>
             <c:dLblPos val="inEnd"/>
@@ -385,7 +385,7 @@
       <a:pPr>
         <a:defRPr/>
       </a:pPr>
-      <a:endParaRPr lang="en-US"/>
+      <a:endParaRPr lang="de-DE"/>
     </a:p>
   </c:txPr>
   <c:externalData r:id="rId3">
@@ -431,7 +431,7 @@
               <a:cs typeface="+mn-cs"/>
             </a:defRPr>
           </a:pPr>
-          <a:endParaRPr lang="en-US"/>
+          <a:endParaRPr lang="de-DE"/>
         </a:p>
       </c:txPr>
     </c:title>
@@ -529,7 +529,7 @@
                     <a:cs typeface="+mn-cs"/>
                   </a:defRPr>
                 </a:pPr>
-                <a:endParaRPr lang="en-US"/>
+                <a:endParaRPr lang="de-DE"/>
               </a:p>
             </c:txPr>
             <c:dLblPos val="inEnd"/>
@@ -642,7 +642,7 @@
       <a:pPr>
         <a:defRPr/>
       </a:pPr>
-      <a:endParaRPr lang="en-US"/>
+      <a:endParaRPr lang="de-DE"/>
     </a:p>
   </c:txPr>
   <c:externalData r:id="rId3">
@@ -688,7 +688,7 @@
               <a:cs typeface="+mn-cs"/>
             </a:defRPr>
           </a:pPr>
-          <a:endParaRPr lang="en-US"/>
+          <a:endParaRPr lang="de-DE"/>
         </a:p>
       </c:txPr>
     </c:title>
@@ -786,7 +786,7 @@
                     <a:cs typeface="+mn-cs"/>
                   </a:defRPr>
                 </a:pPr>
-                <a:endParaRPr lang="en-US"/>
+                <a:endParaRPr lang="de-DE"/>
               </a:p>
             </c:txPr>
             <c:dLblPos val="inEnd"/>
@@ -899,7 +899,7 @@
       <a:pPr>
         <a:defRPr/>
       </a:pPr>
-      <a:endParaRPr lang="en-US"/>
+      <a:endParaRPr lang="de-DE"/>
     </a:p>
   </c:txPr>
   <c:externalData r:id="rId3">
@@ -2645,7 +2645,7 @@
           <a:p>
             <a:fld id="{672A33CF-3CD6-4BF6-9652-92EE052783A5}" type="datetimeFigureOut">
               <a:rPr lang="en-US" smtClean="0"/>
-              <a:t>10/17/2021</a:t>
+              <a:t>10/18/2021</a:t>
             </a:fld>
             <a:endParaRPr lang="en-US"/>
           </a:p>
@@ -2843,7 +2843,7 @@
           <a:p>
             <a:fld id="{672A33CF-3CD6-4BF6-9652-92EE052783A5}" type="datetimeFigureOut">
               <a:rPr lang="en-US" smtClean="0"/>
-              <a:t>10/17/2021</a:t>
+              <a:t>10/18/2021</a:t>
             </a:fld>
             <a:endParaRPr lang="en-US"/>
           </a:p>
@@ -3051,7 +3051,7 @@
           <a:p>
             <a:fld id="{672A33CF-3CD6-4BF6-9652-92EE052783A5}" type="datetimeFigureOut">
               <a:rPr lang="en-US" smtClean="0"/>
-              <a:t>10/17/2021</a:t>
+              <a:t>10/18/2021</a:t>
             </a:fld>
             <a:endParaRPr lang="en-US"/>
           </a:p>
@@ -3249,7 +3249,7 @@
           <a:p>
             <a:fld id="{672A33CF-3CD6-4BF6-9652-92EE052783A5}" type="datetimeFigureOut">
               <a:rPr lang="en-US" smtClean="0"/>
-              <a:t>10/17/2021</a:t>
+              <a:t>10/18/2021</a:t>
             </a:fld>
             <a:endParaRPr lang="en-US"/>
           </a:p>
@@ -3524,7 +3524,7 @@
           <a:p>
             <a:fld id="{672A33CF-3CD6-4BF6-9652-92EE052783A5}" type="datetimeFigureOut">
               <a:rPr lang="en-US" smtClean="0"/>
-              <a:t>10/17/2021</a:t>
+              <a:t>10/18/2021</a:t>
             </a:fld>
             <a:endParaRPr lang="en-US"/>
           </a:p>
@@ -3789,7 +3789,7 @@
           <a:p>
             <a:fld id="{672A33CF-3CD6-4BF6-9652-92EE052783A5}" type="datetimeFigureOut">
               <a:rPr lang="en-US" smtClean="0"/>
-              <a:t>10/17/2021</a:t>
+              <a:t>10/18/2021</a:t>
             </a:fld>
             <a:endParaRPr lang="en-US"/>
           </a:p>
@@ -4201,7 +4201,7 @@
           <a:p>
             <a:fld id="{672A33CF-3CD6-4BF6-9652-92EE052783A5}" type="datetimeFigureOut">
               <a:rPr lang="en-US" smtClean="0"/>
-              <a:t>10/17/2021</a:t>
+              <a:t>10/18/2021</a:t>
             </a:fld>
             <a:endParaRPr lang="en-US"/>
           </a:p>
@@ -4342,7 +4342,7 @@
           <a:p>
             <a:fld id="{672A33CF-3CD6-4BF6-9652-92EE052783A5}" type="datetimeFigureOut">
               <a:rPr lang="en-US" smtClean="0"/>
-              <a:t>10/17/2021</a:t>
+              <a:t>10/18/2021</a:t>
             </a:fld>
             <a:endParaRPr lang="en-US"/>
           </a:p>
@@ -4455,7 +4455,7 @@
           <a:p>
             <a:fld id="{672A33CF-3CD6-4BF6-9652-92EE052783A5}" type="datetimeFigureOut">
               <a:rPr lang="en-US" smtClean="0"/>
-              <a:t>10/17/2021</a:t>
+              <a:t>10/18/2021</a:t>
             </a:fld>
             <a:endParaRPr lang="en-US"/>
           </a:p>
@@ -4766,7 +4766,7 @@
           <a:p>
             <a:fld id="{672A33CF-3CD6-4BF6-9652-92EE052783A5}" type="datetimeFigureOut">
               <a:rPr lang="en-US" smtClean="0"/>
-              <a:t>10/17/2021</a:t>
+              <a:t>10/18/2021</a:t>
             </a:fld>
             <a:endParaRPr lang="en-US"/>
           </a:p>
@@ -5054,7 +5054,7 @@
           <a:p>
             <a:fld id="{672A33CF-3CD6-4BF6-9652-92EE052783A5}" type="datetimeFigureOut">
               <a:rPr lang="en-US" smtClean="0"/>
-              <a:t>10/17/2021</a:t>
+              <a:t>10/18/2021</a:t>
             </a:fld>
             <a:endParaRPr lang="en-US"/>
           </a:p>
@@ -5298,7 +5298,7 @@
           <a:p>
             <a:fld id="{672A33CF-3CD6-4BF6-9652-92EE052783A5}" type="datetimeFigureOut">
               <a:rPr lang="en-US" smtClean="0"/>
-              <a:t>10/17/2021</a:t>
+              <a:t>10/18/2021</a:t>
             </a:fld>
             <a:endParaRPr lang="en-US"/>
           </a:p>
@@ -6153,30 +6153,12 @@
               <a:buAutoNum type="arabicPeriod"/>
             </a:pPr>
             <a:r>
-              <a:rPr lang="en-US" sz="2200" dirty="0" err="1">
-                <a:latin typeface="Times New Roman" panose="02020603050405020304" pitchFamily="18" charset="0"/>
-                <a:cs typeface="Times New Roman" panose="02020603050405020304" pitchFamily="18" charset="0"/>
-              </a:rPr>
-              <a:t>Mahdieh</a:t>
-            </a:r>
-            <a:r>
               <a:rPr lang="en-US" sz="2200" dirty="0">
                 <a:latin typeface="Times New Roman" panose="02020603050405020304" pitchFamily="18" charset="0"/>
                 <a:cs typeface="Times New Roman" panose="02020603050405020304" pitchFamily="18" charset="0"/>
               </a:rPr>
-              <a:t> </a:t>
+              <a:t>Mahdieh Pirmoradian</a:t>
             </a:r>
-            <a:r>
-              <a:rPr lang="en-US" sz="2200" dirty="0" err="1">
-                <a:latin typeface="Times New Roman" panose="02020603050405020304" pitchFamily="18" charset="0"/>
-                <a:cs typeface="Times New Roman" panose="02020603050405020304" pitchFamily="18" charset="0"/>
-              </a:rPr>
-              <a:t>Pir</a:t>
-            </a:r>
-            <a:endParaRPr lang="en-US" sz="2200" dirty="0">
-              <a:latin typeface="Times New Roman" panose="02020603050405020304" pitchFamily="18" charset="0"/>
-              <a:cs typeface="Times New Roman" panose="02020603050405020304" pitchFamily="18" charset="0"/>
-            </a:endParaRPr>
           </a:p>
         </p:txBody>
       </p:sp>
@@ -12097,9 +12079,73 @@
         </p:spPr>
         <p:txBody>
           <a:bodyPr vert="horz" lIns="91440" tIns="45720" rIns="91440" bIns="45720" rtlCol="0">
-            <a:normAutofit/>
+            <a:normAutofit lnSpcReduction="10000"/>
           </a:bodyPr>
           <a:lstStyle/>
+          <a:p>
+            <a:pPr>
+              <a:lnSpc>
+                <a:spcPct val="90000"/>
+              </a:lnSpc>
+              <a:spcAft>
+                <a:spcPts val="600"/>
+              </a:spcAft>
+              <a:buClr>
+                <a:schemeClr val="accent1"/>
+              </a:buClr>
+            </a:pPr>
+            <a:r>
+              <a:rPr lang="en-US" sz="2400" dirty="0">
+                <a:latin typeface="Times New Roman" panose="02020603050405020304" pitchFamily="18" charset="0"/>
+                <a:cs typeface="Times New Roman" panose="02020603050405020304" pitchFamily="18" charset="0"/>
+              </a:rPr>
+              <a:t>Using CNN for classifying sound signals works helpful However It is better that we train our model with enough steps to have a more accurate result. </a:t>
+            </a:r>
+          </a:p>
+          <a:p>
+            <a:pPr>
+              <a:lnSpc>
+                <a:spcPct val="90000"/>
+              </a:lnSpc>
+              <a:spcAft>
+                <a:spcPts val="600"/>
+              </a:spcAft>
+              <a:buClr>
+                <a:schemeClr val="accent1"/>
+              </a:buClr>
+            </a:pPr>
+            <a:r>
+              <a:rPr lang="en-US" sz="2400" dirty="0">
+                <a:latin typeface="Times New Roman" panose="02020603050405020304" pitchFamily="18" charset="0"/>
+                <a:cs typeface="Times New Roman" panose="02020603050405020304" pitchFamily="18" charset="0"/>
+              </a:rPr>
+              <a:t>In Our experiment after training our CNN model for 100 times we reached the F1 score of  90%, but still when we want to use it for classifying of the unlabeled sound signal for 25% of signals the percentage of accurate classifying is 60%.</a:t>
+            </a:r>
+          </a:p>
+          <a:p>
+            <a:pPr>
+              <a:lnSpc>
+                <a:spcPct val="90000"/>
+              </a:lnSpc>
+              <a:spcAft>
+                <a:spcPts val="600"/>
+              </a:spcAft>
+              <a:buClr>
+                <a:schemeClr val="accent1"/>
+              </a:buClr>
+            </a:pPr>
+            <a:r>
+              <a:rPr lang="en-US" sz="2400" dirty="0">
+                <a:latin typeface="Times New Roman" panose="02020603050405020304" pitchFamily="18" charset="0"/>
+                <a:cs typeface="Times New Roman" panose="02020603050405020304" pitchFamily="18" charset="0"/>
+              </a:rPr>
+              <a:t>We also assume that since the data from training dataset is selected randomly, seldom the process selects poor samples for training and resulting in low adjusting in weights and biases</a:t>
+            </a:r>
+            <a:endParaRPr lang="en-US" sz="2200" dirty="0">
+              <a:latin typeface="Times New Roman" panose="02020603050405020304" pitchFamily="18" charset="0"/>
+              <a:cs typeface="Times New Roman" panose="02020603050405020304" pitchFamily="18" charset="0"/>
+            </a:endParaRPr>
+          </a:p>
           <a:p>
             <a:pPr indent="-228600">
               <a:lnSpc>
@@ -12119,27 +12165,8 @@
                 <a:latin typeface="Times New Roman" panose="02020603050405020304" pitchFamily="18" charset="0"/>
                 <a:cs typeface="Times New Roman" panose="02020603050405020304" pitchFamily="18" charset="0"/>
               </a:rPr>
-              <a:t>Font : Times New Roman size 22</a:t>
+              <a:t> </a:t>
             </a:r>
-          </a:p>
-          <a:p>
-            <a:pPr indent="-228600">
-              <a:lnSpc>
-                <a:spcPct val="90000"/>
-              </a:lnSpc>
-              <a:spcAft>
-                <a:spcPts val="600"/>
-              </a:spcAft>
-              <a:buClr>
-                <a:schemeClr val="accent1"/>
-              </a:buClr>
-              <a:buFont typeface="Arial" panose="020B0604020202020204" pitchFamily="34" charset="0"/>
-              <a:buChar char="•"/>
-            </a:pPr>
-            <a:endParaRPr lang="en-US" sz="2200" dirty="0">
-              <a:latin typeface="Times New Roman" panose="02020603050405020304" pitchFamily="18" charset="0"/>
-              <a:cs typeface="Times New Roman" panose="02020603050405020304" pitchFamily="18" charset="0"/>
-            </a:endParaRPr>
           </a:p>
         </p:txBody>
       </p:sp>
@@ -13225,7 +13252,7 @@
         <p:spPr>
           <a:xfrm>
             <a:off x="643468" y="1782981"/>
-            <a:ext cx="6842935" cy="4393982"/>
+            <a:ext cx="9691157" cy="4393982"/>
           </a:xfrm>
           <a:prstGeom prst="rect">
             <a:avLst/>
@@ -13251,11 +13278,11 @@
               <a:buChar char="•"/>
             </a:pPr>
             <a:r>
-              <a:rPr lang="en-US" sz="2200" dirty="0">
+              <a:rPr lang="en-US" sz="2400" dirty="0">
                 <a:latin typeface="Times New Roman" panose="02020603050405020304" pitchFamily="18" charset="0"/>
                 <a:cs typeface="Times New Roman" panose="02020603050405020304" pitchFamily="18" charset="0"/>
               </a:rPr>
-              <a:t>Font : Times New Roman size 22</a:t>
+              <a:t>The fundamental aim of this paper is to show how we can use CNNs to categorize a long-sampled time domain signal. </a:t>
             </a:r>
           </a:p>
           <a:p>
@@ -13272,6 +13299,35 @@
               <a:buFont typeface="Arial" panose="020B0604020202020204" pitchFamily="34" charset="0"/>
               <a:buChar char="•"/>
             </a:pPr>
+            <a:r>
+              <a:rPr lang="en-US" sz="2400" dirty="0">
+                <a:latin typeface="Times New Roman" panose="02020603050405020304" pitchFamily="18" charset="0"/>
+                <a:cs typeface="Times New Roman" panose="02020603050405020304" pitchFamily="18" charset="0"/>
+              </a:rPr>
+              <a:t>At first, we had an amplitude representation of the signal over time. Therefore, we used spectrogram, as it is a visual representation of all the frequencies over time.</a:t>
+            </a:r>
+          </a:p>
+          <a:p>
+            <a:pPr indent="-228600">
+              <a:lnSpc>
+                <a:spcPct val="90000"/>
+              </a:lnSpc>
+              <a:spcAft>
+                <a:spcPts val="600"/>
+              </a:spcAft>
+              <a:buClr>
+                <a:schemeClr val="accent1"/>
+              </a:buClr>
+              <a:buFont typeface="Arial" panose="020B0604020202020204" pitchFamily="34" charset="0"/>
+              <a:buChar char="•"/>
+            </a:pPr>
+            <a:r>
+              <a:rPr lang="en-US" sz="2400" dirty="0">
+                <a:latin typeface="Times New Roman" panose="02020603050405020304" pitchFamily="18" charset="0"/>
+                <a:cs typeface="Times New Roman" panose="02020603050405020304" pitchFamily="18" charset="0"/>
+              </a:rPr>
+              <a:t>Then we reviewed what adjustments needed to be made to our Conv Net’s design in order to achieve a better result in the accuracy of model classifying, as well as what aspects we should consider while testing our program. Furthermore, in the process of creating spectrograms, selecting the window type, size, and speed of movement was critical for obtaining an accurate picture of the sound.</a:t>
+            </a:r>
             <a:endParaRPr lang="en-US" sz="2200" dirty="0">
               <a:latin typeface="Times New Roman" panose="02020603050405020304" pitchFamily="18" charset="0"/>
               <a:cs typeface="Times New Roman" panose="02020603050405020304" pitchFamily="18" charset="0"/>
